--- a/Sem3/Materials/Transform Techniques/Inverse Laplace Transform-intro.pptx
+++ b/Sem3/Materials/Transform Techniques/Inverse Laplace Transform-intro.pptx
@@ -12,9 +12,10 @@
     <p:sldId id="261" r:id="rId6"/>
     <p:sldId id="263" r:id="rId7"/>
     <p:sldId id="262" r:id="rId8"/>
-    <p:sldId id="264" r:id="rId9"/>
-    <p:sldId id="265" r:id="rId10"/>
-    <p:sldId id="260" r:id="rId11"/>
+    <p:sldId id="266" r:id="rId9"/>
+    <p:sldId id="264" r:id="rId10"/>
+    <p:sldId id="265" r:id="rId11"/>
+    <p:sldId id="260" r:id="rId12"/>
   </p:sldIdLst>
   <p:sldSz cx="12192000" cy="6858000"/>
   <p:notesSz cx="6858000" cy="9144000"/>
@@ -121,6 +122,27 @@
 </p:presentation>
 </file>
 
+<file path=ppt/changesInfos/changesInfo1.xml><?xml version="1.0" encoding="utf-8"?>
+<pc:chgInfo xmlns:a="http://schemas.openxmlformats.org/drawingml/2006/main" xmlns:r="http://schemas.openxmlformats.org/officeDocument/2006/relationships" xmlns:ac="http://schemas.microsoft.com/office/drawing/2013/main/command" xmlns:pc="http://schemas.microsoft.com/office/powerpoint/2013/main/command">
+  <pc:docChgLst>
+    <pc:chgData name="Balachander G" userId="a87c09b86e4f3615" providerId="LiveId" clId="{40F96376-AF91-4039-A835-4F7F421CC5BE}"/>
+    <pc:docChg chg="addSld">
+      <pc:chgData name="Balachander G" userId="a87c09b86e4f3615" providerId="LiveId" clId="{40F96376-AF91-4039-A835-4F7F421CC5BE}" dt="2020-09-09T10:33:02.877" v="0" actId="680"/>
+      <pc:docMkLst>
+        <pc:docMk/>
+      </pc:docMkLst>
+      <pc:sldChg chg="new">
+        <pc:chgData name="Balachander G" userId="a87c09b86e4f3615" providerId="LiveId" clId="{40F96376-AF91-4039-A835-4F7F421CC5BE}" dt="2020-09-09T10:33:02.877" v="0" actId="680"/>
+        <pc:sldMkLst>
+          <pc:docMk/>
+          <pc:sldMk cId="904641416" sldId="266"/>
+        </pc:sldMkLst>
+      </pc:sldChg>
+    </pc:docChg>
+  </pc:docChgLst>
+</pc:chgInfo>
+</file>
+
 <file path=ppt/slideLayouts/slideLayout1.xml><?xml version="1.0" encoding="utf-8"?>
 <p:sldLayout xmlns:a="http://schemas.openxmlformats.org/drawingml/2006/main" xmlns:r="http://schemas.openxmlformats.org/officeDocument/2006/relationships" xmlns:p="http://schemas.openxmlformats.org/presentationml/2006/main" type="title" preserve="1">
   <p:cSld name="Title Slide">
@@ -163,10 +185,9 @@
           </a:lstStyle>
           <a:p>
             <a:r>
-              <a:rPr lang="en-US" smtClean="0"/>
+              <a:rPr lang="en-US"/>
               <a:t>Click to edit Master title style</a:t>
             </a:r>
-            <a:endParaRPr lang="en-US"/>
           </a:p>
         </p:txBody>
       </p:sp>
@@ -228,10 +249,9 @@
           </a:lstStyle>
           <a:p>
             <a:r>
-              <a:rPr lang="en-US" smtClean="0"/>
+              <a:rPr lang="en-US"/>
               <a:t>Click to edit Master subtitle style</a:t>
             </a:r>
-            <a:endParaRPr lang="en-US"/>
           </a:p>
         </p:txBody>
       </p:sp>
@@ -252,7 +272,7 @@
           <a:p>
             <a:fld id="{AE81F46F-F499-49A9-8D8D-E7F6A3024094}" type="datetimeFigureOut">
               <a:rPr lang="en-US" smtClean="0"/>
-              <a:t>8/7/2020</a:t>
+              <a:t>9/9/2020</a:t>
             </a:fld>
             <a:endParaRPr lang="en-US"/>
           </a:p>
@@ -346,10 +366,9 @@
           <a:lstStyle/>
           <a:p>
             <a:r>
-              <a:rPr lang="en-US" smtClean="0"/>
+              <a:rPr lang="en-US"/>
               <a:t>Click to edit Master title style</a:t>
             </a:r>
-            <a:endParaRPr lang="en-US"/>
           </a:p>
         </p:txBody>
       </p:sp>
@@ -370,38 +389,37 @@
           <a:p>
             <a:pPr lvl="0"/>
             <a:r>
-              <a:rPr lang="en-US" smtClean="0"/>
+              <a:rPr lang="en-US"/>
               <a:t>Click to edit Master text styles</a:t>
             </a:r>
           </a:p>
           <a:p>
             <a:pPr lvl="1"/>
             <a:r>
-              <a:rPr lang="en-US" smtClean="0"/>
+              <a:rPr lang="en-US"/>
               <a:t>Second level</a:t>
             </a:r>
           </a:p>
           <a:p>
             <a:pPr lvl="2"/>
             <a:r>
-              <a:rPr lang="en-US" smtClean="0"/>
+              <a:rPr lang="en-US"/>
               <a:t>Third level</a:t>
             </a:r>
           </a:p>
           <a:p>
             <a:pPr lvl="3"/>
             <a:r>
-              <a:rPr lang="en-US" smtClean="0"/>
+              <a:rPr lang="en-US"/>
               <a:t>Fourth level</a:t>
             </a:r>
           </a:p>
           <a:p>
             <a:pPr lvl="4"/>
             <a:r>
-              <a:rPr lang="en-US" smtClean="0"/>
+              <a:rPr lang="en-US"/>
               <a:t>Fifth level</a:t>
             </a:r>
-            <a:endParaRPr lang="en-US"/>
           </a:p>
         </p:txBody>
       </p:sp>
@@ -422,7 +440,7 @@
           <a:p>
             <a:fld id="{AE81F46F-F499-49A9-8D8D-E7F6A3024094}" type="datetimeFigureOut">
               <a:rPr lang="en-US" smtClean="0"/>
-              <a:t>8/7/2020</a:t>
+              <a:t>9/9/2020</a:t>
             </a:fld>
             <a:endParaRPr lang="en-US"/>
           </a:p>
@@ -521,10 +539,9 @@
           <a:lstStyle/>
           <a:p>
             <a:r>
-              <a:rPr lang="en-US" smtClean="0"/>
+              <a:rPr lang="en-US"/>
               <a:t>Click to edit Master title style</a:t>
             </a:r>
-            <a:endParaRPr lang="en-US"/>
           </a:p>
         </p:txBody>
       </p:sp>
@@ -550,38 +567,37 @@
           <a:p>
             <a:pPr lvl="0"/>
             <a:r>
-              <a:rPr lang="en-US" smtClean="0"/>
+              <a:rPr lang="en-US"/>
               <a:t>Click to edit Master text styles</a:t>
             </a:r>
           </a:p>
           <a:p>
             <a:pPr lvl="1"/>
             <a:r>
-              <a:rPr lang="en-US" smtClean="0"/>
+              <a:rPr lang="en-US"/>
               <a:t>Second level</a:t>
             </a:r>
           </a:p>
           <a:p>
             <a:pPr lvl="2"/>
             <a:r>
-              <a:rPr lang="en-US" smtClean="0"/>
+              <a:rPr lang="en-US"/>
               <a:t>Third level</a:t>
             </a:r>
           </a:p>
           <a:p>
             <a:pPr lvl="3"/>
             <a:r>
-              <a:rPr lang="en-US" smtClean="0"/>
+              <a:rPr lang="en-US"/>
               <a:t>Fourth level</a:t>
             </a:r>
           </a:p>
           <a:p>
             <a:pPr lvl="4"/>
             <a:r>
-              <a:rPr lang="en-US" smtClean="0"/>
+              <a:rPr lang="en-US"/>
               <a:t>Fifth level</a:t>
             </a:r>
-            <a:endParaRPr lang="en-US"/>
           </a:p>
         </p:txBody>
       </p:sp>
@@ -602,7 +618,7 @@
           <a:p>
             <a:fld id="{AE81F46F-F499-49A9-8D8D-E7F6A3024094}" type="datetimeFigureOut">
               <a:rPr lang="en-US" smtClean="0"/>
-              <a:t>8/7/2020</a:t>
+              <a:t>9/9/2020</a:t>
             </a:fld>
             <a:endParaRPr lang="en-US"/>
           </a:p>
@@ -696,10 +712,9 @@
           <a:lstStyle/>
           <a:p>
             <a:r>
-              <a:rPr lang="en-US" smtClean="0"/>
+              <a:rPr lang="en-US"/>
               <a:t>Click to edit Master title style</a:t>
             </a:r>
-            <a:endParaRPr lang="en-US"/>
           </a:p>
         </p:txBody>
       </p:sp>
@@ -720,38 +735,37 @@
           <a:p>
             <a:pPr lvl="0"/>
             <a:r>
-              <a:rPr lang="en-US" smtClean="0"/>
+              <a:rPr lang="en-US"/>
               <a:t>Click to edit Master text styles</a:t>
             </a:r>
           </a:p>
           <a:p>
             <a:pPr lvl="1"/>
             <a:r>
-              <a:rPr lang="en-US" smtClean="0"/>
+              <a:rPr lang="en-US"/>
               <a:t>Second level</a:t>
             </a:r>
           </a:p>
           <a:p>
             <a:pPr lvl="2"/>
             <a:r>
-              <a:rPr lang="en-US" smtClean="0"/>
+              <a:rPr lang="en-US"/>
               <a:t>Third level</a:t>
             </a:r>
           </a:p>
           <a:p>
             <a:pPr lvl="3"/>
             <a:r>
-              <a:rPr lang="en-US" smtClean="0"/>
+              <a:rPr lang="en-US"/>
               <a:t>Fourth level</a:t>
             </a:r>
           </a:p>
           <a:p>
             <a:pPr lvl="4"/>
             <a:r>
-              <a:rPr lang="en-US" smtClean="0"/>
+              <a:rPr lang="en-US"/>
               <a:t>Fifth level</a:t>
             </a:r>
-            <a:endParaRPr lang="en-US"/>
           </a:p>
         </p:txBody>
       </p:sp>
@@ -772,7 +786,7 @@
           <a:p>
             <a:fld id="{AE81F46F-F499-49A9-8D8D-E7F6A3024094}" type="datetimeFigureOut">
               <a:rPr lang="en-US" smtClean="0"/>
-              <a:t>8/7/2020</a:t>
+              <a:t>9/9/2020</a:t>
             </a:fld>
             <a:endParaRPr lang="en-US"/>
           </a:p>
@@ -875,10 +889,9 @@
           </a:lstStyle>
           <a:p>
             <a:r>
-              <a:rPr lang="en-US" smtClean="0"/>
+              <a:rPr lang="en-US"/>
               <a:t>Click to edit Master title style</a:t>
             </a:r>
-            <a:endParaRPr lang="en-US"/>
           </a:p>
         </p:txBody>
       </p:sp>
@@ -995,7 +1008,7 @@
           <a:p>
             <a:pPr lvl="0"/>
             <a:r>
-              <a:rPr lang="en-US" smtClean="0"/>
+              <a:rPr lang="en-US"/>
               <a:t>Click to edit Master text styles</a:t>
             </a:r>
           </a:p>
@@ -1018,7 +1031,7 @@
           <a:p>
             <a:fld id="{AE81F46F-F499-49A9-8D8D-E7F6A3024094}" type="datetimeFigureOut">
               <a:rPr lang="en-US" smtClean="0"/>
-              <a:t>8/7/2020</a:t>
+              <a:t>9/9/2020</a:t>
             </a:fld>
             <a:endParaRPr lang="en-US"/>
           </a:p>
@@ -1112,10 +1125,9 @@
           <a:lstStyle/>
           <a:p>
             <a:r>
-              <a:rPr lang="en-US" smtClean="0"/>
+              <a:rPr lang="en-US"/>
               <a:t>Click to edit Master title style</a:t>
             </a:r>
-            <a:endParaRPr lang="en-US"/>
           </a:p>
         </p:txBody>
       </p:sp>
@@ -1141,38 +1153,37 @@
           <a:p>
             <a:pPr lvl="0"/>
             <a:r>
-              <a:rPr lang="en-US" smtClean="0"/>
+              <a:rPr lang="en-US"/>
               <a:t>Click to edit Master text styles</a:t>
             </a:r>
           </a:p>
           <a:p>
             <a:pPr lvl="1"/>
             <a:r>
-              <a:rPr lang="en-US" smtClean="0"/>
+              <a:rPr lang="en-US"/>
               <a:t>Second level</a:t>
             </a:r>
           </a:p>
           <a:p>
             <a:pPr lvl="2"/>
             <a:r>
-              <a:rPr lang="en-US" smtClean="0"/>
+              <a:rPr lang="en-US"/>
               <a:t>Third level</a:t>
             </a:r>
           </a:p>
           <a:p>
             <a:pPr lvl="3"/>
             <a:r>
-              <a:rPr lang="en-US" smtClean="0"/>
+              <a:rPr lang="en-US"/>
               <a:t>Fourth level</a:t>
             </a:r>
           </a:p>
           <a:p>
             <a:pPr lvl="4"/>
             <a:r>
-              <a:rPr lang="en-US" smtClean="0"/>
+              <a:rPr lang="en-US"/>
               <a:t>Fifth level</a:t>
             </a:r>
-            <a:endParaRPr lang="en-US"/>
           </a:p>
         </p:txBody>
       </p:sp>
@@ -1198,38 +1209,37 @@
           <a:p>
             <a:pPr lvl="0"/>
             <a:r>
-              <a:rPr lang="en-US" smtClean="0"/>
+              <a:rPr lang="en-US"/>
               <a:t>Click to edit Master text styles</a:t>
             </a:r>
           </a:p>
           <a:p>
             <a:pPr lvl="1"/>
             <a:r>
-              <a:rPr lang="en-US" smtClean="0"/>
+              <a:rPr lang="en-US"/>
               <a:t>Second level</a:t>
             </a:r>
           </a:p>
           <a:p>
             <a:pPr lvl="2"/>
             <a:r>
-              <a:rPr lang="en-US" smtClean="0"/>
+              <a:rPr lang="en-US"/>
               <a:t>Third level</a:t>
             </a:r>
           </a:p>
           <a:p>
             <a:pPr lvl="3"/>
             <a:r>
-              <a:rPr lang="en-US" smtClean="0"/>
+              <a:rPr lang="en-US"/>
               <a:t>Fourth level</a:t>
             </a:r>
           </a:p>
           <a:p>
             <a:pPr lvl="4"/>
             <a:r>
-              <a:rPr lang="en-US" smtClean="0"/>
+              <a:rPr lang="en-US"/>
               <a:t>Fifth level</a:t>
             </a:r>
-            <a:endParaRPr lang="en-US"/>
           </a:p>
         </p:txBody>
       </p:sp>
@@ -1250,7 +1260,7 @@
           <a:p>
             <a:fld id="{AE81F46F-F499-49A9-8D8D-E7F6A3024094}" type="datetimeFigureOut">
               <a:rPr lang="en-US" smtClean="0"/>
-              <a:t>8/7/2020</a:t>
+              <a:t>9/9/2020</a:t>
             </a:fld>
             <a:endParaRPr lang="en-US"/>
           </a:p>
@@ -1349,10 +1359,9 @@
           <a:lstStyle/>
           <a:p>
             <a:r>
-              <a:rPr lang="en-US" smtClean="0"/>
+              <a:rPr lang="en-US"/>
               <a:t>Click to edit Master title style</a:t>
             </a:r>
-            <a:endParaRPr lang="en-US"/>
           </a:p>
         </p:txBody>
       </p:sp>
@@ -1415,7 +1424,7 @@
           <a:p>
             <a:pPr lvl="0"/>
             <a:r>
-              <a:rPr lang="en-US" smtClean="0"/>
+              <a:rPr lang="en-US"/>
               <a:t>Click to edit Master text styles</a:t>
             </a:r>
           </a:p>
@@ -1443,38 +1452,37 @@
           <a:p>
             <a:pPr lvl="0"/>
             <a:r>
-              <a:rPr lang="en-US" smtClean="0"/>
+              <a:rPr lang="en-US"/>
               <a:t>Click to edit Master text styles</a:t>
             </a:r>
           </a:p>
           <a:p>
             <a:pPr lvl="1"/>
             <a:r>
-              <a:rPr lang="en-US" smtClean="0"/>
+              <a:rPr lang="en-US"/>
               <a:t>Second level</a:t>
             </a:r>
           </a:p>
           <a:p>
             <a:pPr lvl="2"/>
             <a:r>
-              <a:rPr lang="en-US" smtClean="0"/>
+              <a:rPr lang="en-US"/>
               <a:t>Third level</a:t>
             </a:r>
           </a:p>
           <a:p>
             <a:pPr lvl="3"/>
             <a:r>
-              <a:rPr lang="en-US" smtClean="0"/>
+              <a:rPr lang="en-US"/>
               <a:t>Fourth level</a:t>
             </a:r>
           </a:p>
           <a:p>
             <a:pPr lvl="4"/>
             <a:r>
-              <a:rPr lang="en-US" smtClean="0"/>
+              <a:rPr lang="en-US"/>
               <a:t>Fifth level</a:t>
             </a:r>
-            <a:endParaRPr lang="en-US"/>
           </a:p>
         </p:txBody>
       </p:sp>
@@ -1537,7 +1545,7 @@
           <a:p>
             <a:pPr lvl="0"/>
             <a:r>
-              <a:rPr lang="en-US" smtClean="0"/>
+              <a:rPr lang="en-US"/>
               <a:t>Click to edit Master text styles</a:t>
             </a:r>
           </a:p>
@@ -1565,38 +1573,37 @@
           <a:p>
             <a:pPr lvl="0"/>
             <a:r>
-              <a:rPr lang="en-US" smtClean="0"/>
+              <a:rPr lang="en-US"/>
               <a:t>Click to edit Master text styles</a:t>
             </a:r>
           </a:p>
           <a:p>
             <a:pPr lvl="1"/>
             <a:r>
-              <a:rPr lang="en-US" smtClean="0"/>
+              <a:rPr lang="en-US"/>
               <a:t>Second level</a:t>
             </a:r>
           </a:p>
           <a:p>
             <a:pPr lvl="2"/>
             <a:r>
-              <a:rPr lang="en-US" smtClean="0"/>
+              <a:rPr lang="en-US"/>
               <a:t>Third level</a:t>
             </a:r>
           </a:p>
           <a:p>
             <a:pPr lvl="3"/>
             <a:r>
-              <a:rPr lang="en-US" smtClean="0"/>
+              <a:rPr lang="en-US"/>
               <a:t>Fourth level</a:t>
             </a:r>
           </a:p>
           <a:p>
             <a:pPr lvl="4"/>
             <a:r>
-              <a:rPr lang="en-US" smtClean="0"/>
+              <a:rPr lang="en-US"/>
               <a:t>Fifth level</a:t>
             </a:r>
-            <a:endParaRPr lang="en-US"/>
           </a:p>
         </p:txBody>
       </p:sp>
@@ -1617,7 +1624,7 @@
           <a:p>
             <a:fld id="{AE81F46F-F499-49A9-8D8D-E7F6A3024094}" type="datetimeFigureOut">
               <a:rPr lang="en-US" smtClean="0"/>
-              <a:t>8/7/2020</a:t>
+              <a:t>9/9/2020</a:t>
             </a:fld>
             <a:endParaRPr lang="en-US"/>
           </a:p>
@@ -1711,10 +1718,9 @@
           <a:lstStyle/>
           <a:p>
             <a:r>
-              <a:rPr lang="en-US" smtClean="0"/>
+              <a:rPr lang="en-US"/>
               <a:t>Click to edit Master title style</a:t>
             </a:r>
-            <a:endParaRPr lang="en-US"/>
           </a:p>
         </p:txBody>
       </p:sp>
@@ -1735,7 +1741,7 @@
           <a:p>
             <a:fld id="{AE81F46F-F499-49A9-8D8D-E7F6A3024094}" type="datetimeFigureOut">
               <a:rPr lang="en-US" smtClean="0"/>
-              <a:t>8/7/2020</a:t>
+              <a:t>9/9/2020</a:t>
             </a:fld>
             <a:endParaRPr lang="en-US"/>
           </a:p>
@@ -1830,7 +1836,7 @@
           <a:p>
             <a:fld id="{AE81F46F-F499-49A9-8D8D-E7F6A3024094}" type="datetimeFigureOut">
               <a:rPr lang="en-US" smtClean="0"/>
-              <a:t>8/7/2020</a:t>
+              <a:t>9/9/2020</a:t>
             </a:fld>
             <a:endParaRPr lang="en-US"/>
           </a:p>
@@ -1933,10 +1939,9 @@
           </a:lstStyle>
           <a:p>
             <a:r>
-              <a:rPr lang="en-US" smtClean="0"/>
+              <a:rPr lang="en-US"/>
               <a:t>Click to edit Master title style</a:t>
             </a:r>
-            <a:endParaRPr lang="en-US"/>
           </a:p>
         </p:txBody>
       </p:sp>
@@ -1990,38 +1995,37 @@
           <a:p>
             <a:pPr lvl="0"/>
             <a:r>
-              <a:rPr lang="en-US" smtClean="0"/>
+              <a:rPr lang="en-US"/>
               <a:t>Click to edit Master text styles</a:t>
             </a:r>
           </a:p>
           <a:p>
             <a:pPr lvl="1"/>
             <a:r>
-              <a:rPr lang="en-US" smtClean="0"/>
+              <a:rPr lang="en-US"/>
               <a:t>Second level</a:t>
             </a:r>
           </a:p>
           <a:p>
             <a:pPr lvl="2"/>
             <a:r>
-              <a:rPr lang="en-US" smtClean="0"/>
+              <a:rPr lang="en-US"/>
               <a:t>Third level</a:t>
             </a:r>
           </a:p>
           <a:p>
             <a:pPr lvl="3"/>
             <a:r>
-              <a:rPr lang="en-US" smtClean="0"/>
+              <a:rPr lang="en-US"/>
               <a:t>Fourth level</a:t>
             </a:r>
           </a:p>
           <a:p>
             <a:pPr lvl="4"/>
             <a:r>
-              <a:rPr lang="en-US" smtClean="0"/>
+              <a:rPr lang="en-US"/>
               <a:t>Fifth level</a:t>
             </a:r>
-            <a:endParaRPr lang="en-US"/>
           </a:p>
         </p:txBody>
       </p:sp>
@@ -2084,7 +2088,7 @@
           <a:p>
             <a:pPr lvl="0"/>
             <a:r>
-              <a:rPr lang="en-US" smtClean="0"/>
+              <a:rPr lang="en-US"/>
               <a:t>Click to edit Master text styles</a:t>
             </a:r>
           </a:p>
@@ -2107,7 +2111,7 @@
           <a:p>
             <a:fld id="{AE81F46F-F499-49A9-8D8D-E7F6A3024094}" type="datetimeFigureOut">
               <a:rPr lang="en-US" smtClean="0"/>
-              <a:t>8/7/2020</a:t>
+              <a:t>9/9/2020</a:t>
             </a:fld>
             <a:endParaRPr lang="en-US"/>
           </a:p>
@@ -2210,10 +2214,9 @@
           </a:lstStyle>
           <a:p>
             <a:r>
-              <a:rPr lang="en-US" smtClean="0"/>
+              <a:rPr lang="en-US"/>
               <a:t>Click to edit Master title style</a:t>
             </a:r>
-            <a:endParaRPr lang="en-US"/>
           </a:p>
         </p:txBody>
       </p:sp>
@@ -2337,7 +2340,7 @@
           <a:p>
             <a:pPr lvl="0"/>
             <a:r>
-              <a:rPr lang="en-US" smtClean="0"/>
+              <a:rPr lang="en-US"/>
               <a:t>Click to edit Master text styles</a:t>
             </a:r>
           </a:p>
@@ -2360,7 +2363,7 @@
           <a:p>
             <a:fld id="{AE81F46F-F499-49A9-8D8D-E7F6A3024094}" type="datetimeFigureOut">
               <a:rPr lang="en-US" smtClean="0"/>
-              <a:t>8/7/2020</a:t>
+              <a:t>9/9/2020</a:t>
             </a:fld>
             <a:endParaRPr lang="en-US"/>
           </a:p>
@@ -2469,10 +2472,9 @@
           <a:lstStyle/>
           <a:p>
             <a:r>
-              <a:rPr lang="en-US" smtClean="0"/>
+              <a:rPr lang="en-US"/>
               <a:t>Click to edit Master title style</a:t>
             </a:r>
-            <a:endParaRPr lang="en-US"/>
           </a:p>
         </p:txBody>
       </p:sp>
@@ -2503,38 +2505,37 @@
           <a:p>
             <a:pPr lvl="0"/>
             <a:r>
-              <a:rPr lang="en-US" smtClean="0"/>
+              <a:rPr lang="en-US"/>
               <a:t>Click to edit Master text styles</a:t>
             </a:r>
           </a:p>
           <a:p>
             <a:pPr lvl="1"/>
             <a:r>
-              <a:rPr lang="en-US" smtClean="0"/>
+              <a:rPr lang="en-US"/>
               <a:t>Second level</a:t>
             </a:r>
           </a:p>
           <a:p>
             <a:pPr lvl="2"/>
             <a:r>
-              <a:rPr lang="en-US" smtClean="0"/>
+              <a:rPr lang="en-US"/>
               <a:t>Third level</a:t>
             </a:r>
           </a:p>
           <a:p>
             <a:pPr lvl="3"/>
             <a:r>
-              <a:rPr lang="en-US" smtClean="0"/>
+              <a:rPr lang="en-US"/>
               <a:t>Fourth level</a:t>
             </a:r>
           </a:p>
           <a:p>
             <a:pPr lvl="4"/>
             <a:r>
-              <a:rPr lang="en-US" smtClean="0"/>
+              <a:rPr lang="en-US"/>
               <a:t>Fifth level</a:t>
             </a:r>
-            <a:endParaRPr lang="en-US"/>
           </a:p>
         </p:txBody>
       </p:sp>
@@ -2573,7 +2574,7 @@
           <a:p>
             <a:fld id="{AE81F46F-F499-49A9-8D8D-E7F6A3024094}" type="datetimeFigureOut">
               <a:rPr lang="en-US" smtClean="0"/>
-              <a:t>8/7/2020</a:t>
+              <a:t>9/9/2020</a:t>
             </a:fld>
             <a:endParaRPr lang="en-US"/>
           </a:p>
@@ -3001,18 +3002,13 @@
           <a:lstStyle/>
           <a:p>
             <a:r>
-              <a:rPr lang="en-US" b="1" dirty="0" smtClean="0">
+              <a:rPr lang="en-US" b="1" dirty="0">
                 <a:solidFill>
                   <a:schemeClr val="accent6"/>
                 </a:solidFill>
               </a:rPr>
               <a:t>Department of Applied Mathematics and Computational Sciences</a:t>
             </a:r>
-            <a:endParaRPr lang="en-US" b="1" dirty="0">
-              <a:solidFill>
-                <a:schemeClr val="accent6"/>
-              </a:solidFill>
-            </a:endParaRPr>
           </a:p>
         </p:txBody>
       </p:sp>
@@ -3037,7 +3033,7 @@
           <a:lstStyle/>
           <a:p>
             <a:r>
-              <a:rPr lang="en-US" b="1" dirty="0" smtClean="0">
+              <a:rPr lang="en-US" b="1" dirty="0">
                 <a:solidFill>
                   <a:srgbClr val="C00000"/>
                 </a:solidFill>
@@ -3045,7 +3041,7 @@
               <a:t>III </a:t>
             </a:r>
             <a:r>
-              <a:rPr lang="en-US" b="1" dirty="0" err="1" smtClean="0">
+              <a:rPr lang="en-US" b="1" dirty="0" err="1">
                 <a:solidFill>
                   <a:srgbClr val="C00000"/>
                 </a:solidFill>
@@ -3053,7 +3049,7 @@
               <a:t>Sem</a:t>
             </a:r>
             <a:r>
-              <a:rPr lang="en-US" b="1" dirty="0" smtClean="0">
+              <a:rPr lang="en-US" b="1" dirty="0">
                 <a:solidFill>
                   <a:srgbClr val="C00000"/>
                 </a:solidFill>
@@ -3061,7 +3057,7 @@
               <a:t> </a:t>
             </a:r>
             <a:r>
-              <a:rPr lang="en-US" b="1" dirty="0" err="1" smtClean="0">
+              <a:rPr lang="en-US" b="1" dirty="0" err="1">
                 <a:solidFill>
                   <a:srgbClr val="C00000"/>
                 </a:solidFill>
@@ -3069,7 +3065,7 @@
               <a:t>M.Sc.Software</a:t>
             </a:r>
             <a:r>
-              <a:rPr lang="en-US" b="1" dirty="0" smtClean="0">
+              <a:rPr lang="en-US" b="1" dirty="0">
                 <a:solidFill>
                   <a:srgbClr val="C00000"/>
                 </a:solidFill>
@@ -3079,7 +3075,7 @@
           </a:p>
           <a:p>
             <a:r>
-              <a:rPr lang="en-US" b="1" dirty="0" smtClean="0">
+              <a:rPr lang="en-US" b="1" dirty="0">
                 <a:solidFill>
                   <a:srgbClr val="C00000"/>
                 </a:solidFill>
@@ -3089,7 +3085,7 @@
           </a:p>
           <a:p>
             <a:r>
-              <a:rPr lang="en-US" b="1" dirty="0" smtClean="0">
+              <a:rPr lang="en-US" b="1" dirty="0">
                 <a:solidFill>
                   <a:srgbClr val="C00000"/>
                 </a:solidFill>
@@ -3097,7 +3093,7 @@
               <a:t>Dr. V. Suresh </a:t>
             </a:r>
             <a:r>
-              <a:rPr lang="en-US" b="1" dirty="0" err="1" smtClean="0">
+              <a:rPr lang="en-US" b="1" dirty="0" err="1">
                 <a:solidFill>
                   <a:srgbClr val="C00000"/>
                 </a:solidFill>
@@ -3122,17 +3118,1143 @@
   <p:clrMapOvr>
     <a:masterClrMapping/>
   </p:clrMapOvr>
+</p:sld>
+</file>
+
+<file path=ppt/slides/slide10.xml><?xml version="1.0" encoding="utf-8"?>
+<p:sld xmlns:a="http://schemas.openxmlformats.org/drawingml/2006/main" xmlns:r="http://schemas.openxmlformats.org/officeDocument/2006/relationships" xmlns:p="http://schemas.openxmlformats.org/presentationml/2006/main">
+  <p:cSld>
+    <p:spTree>
+      <p:nvGrpSpPr>
+        <p:cNvPr id="1" name=""/>
+        <p:cNvGrpSpPr/>
+        <p:nvPr/>
+      </p:nvGrpSpPr>
+      <p:grpSpPr>
+        <a:xfrm>
+          <a:off x="0" y="0"/>
+          <a:ext cx="0" cy="0"/>
+          <a:chOff x="0" y="0"/>
+          <a:chExt cx="0" cy="0"/>
+        </a:xfrm>
+      </p:grpSpPr>
+      <p:sp>
+        <p:nvSpPr>
+          <p:cNvPr id="2" name="Title 1"/>
+          <p:cNvSpPr>
+            <a:spLocks noGrp="1"/>
+          </p:cNvSpPr>
+          <p:nvPr>
+            <p:ph type="title"/>
+          </p:nvPr>
+        </p:nvSpPr>
+        <p:spPr>
+          <a:xfrm>
+            <a:off x="0" y="0"/>
+            <a:ext cx="10515600" cy="663575"/>
+          </a:xfrm>
+        </p:spPr>
+        <p:txBody>
+          <a:bodyPr>
+            <a:normAutofit fontScale="90000"/>
+          </a:bodyPr>
+          <a:lstStyle/>
+          <a:p>
+            <a:r>
+              <a:rPr lang="en-SG" b="1" dirty="0">
+                <a:solidFill>
+                  <a:srgbClr val="C00000"/>
+                </a:solidFill>
+              </a:rPr>
+              <a:t>Problems for homework</a:t>
+            </a:r>
+          </a:p>
+        </p:txBody>
+      </p:sp>
+      <p:sp>
+        <p:nvSpPr>
+          <p:cNvPr id="3" name="Content Placeholder 2"/>
+          <p:cNvSpPr>
+            <a:spLocks noGrp="1"/>
+          </p:cNvSpPr>
+          <p:nvPr>
+            <p:ph idx="1"/>
+          </p:nvPr>
+        </p:nvSpPr>
+        <p:spPr>
+          <a:xfrm>
+            <a:off x="95250" y="825500"/>
+            <a:ext cx="10515600" cy="498475"/>
+          </a:xfrm>
+        </p:spPr>
+        <p:txBody>
+          <a:bodyPr/>
+          <a:lstStyle/>
+          <a:p>
+            <a:pPr marL="0" indent="0">
+              <a:buNone/>
+            </a:pPr>
+            <a:r>
+              <a:rPr lang="en-SG" dirty="0"/>
+              <a:t>Find the Inverse Laplace Transform for the following</a:t>
+            </a:r>
+          </a:p>
+        </p:txBody>
+      </p:sp>
+      <p:pic>
+        <p:nvPicPr>
+          <p:cNvPr id="4" name="Picture 3"/>
+          <p:cNvPicPr>
+            <a:picLocks noChangeAspect="1"/>
+          </p:cNvPicPr>
+          <p:nvPr/>
+        </p:nvPicPr>
+        <p:blipFill>
+          <a:blip r:embed="rId2"/>
+          <a:stretch>
+            <a:fillRect/>
+          </a:stretch>
+        </p:blipFill>
+        <p:spPr>
+          <a:xfrm>
+            <a:off x="1068667" y="1891278"/>
+            <a:ext cx="1531005" cy="918950"/>
+          </a:xfrm>
+          <a:prstGeom prst="rect">
+            <a:avLst/>
+          </a:prstGeom>
+        </p:spPr>
+      </p:pic>
+      <p:pic>
+        <p:nvPicPr>
+          <p:cNvPr id="5" name="Picture 4"/>
+          <p:cNvPicPr>
+            <a:picLocks noChangeAspect="1"/>
+          </p:cNvPicPr>
+          <p:nvPr/>
+        </p:nvPicPr>
+        <p:blipFill>
+          <a:blip r:embed="rId3"/>
+          <a:stretch>
+            <a:fillRect/>
+          </a:stretch>
+        </p:blipFill>
+        <p:spPr>
+          <a:xfrm>
+            <a:off x="1217958" y="3405806"/>
+            <a:ext cx="1232421" cy="1008184"/>
+          </a:xfrm>
+          <a:prstGeom prst="rect">
+            <a:avLst/>
+          </a:prstGeom>
+        </p:spPr>
+      </p:pic>
+      <p:pic>
+        <p:nvPicPr>
+          <p:cNvPr id="6" name="Picture 5"/>
+          <p:cNvPicPr>
+            <a:picLocks noChangeAspect="1"/>
+          </p:cNvPicPr>
+          <p:nvPr/>
+        </p:nvPicPr>
+        <p:blipFill>
+          <a:blip r:embed="rId4"/>
+          <a:stretch>
+            <a:fillRect/>
+          </a:stretch>
+        </p:blipFill>
+        <p:spPr>
+          <a:xfrm>
+            <a:off x="1016886" y="5289983"/>
+            <a:ext cx="1810921" cy="844117"/>
+          </a:xfrm>
+          <a:prstGeom prst="rect">
+            <a:avLst/>
+          </a:prstGeom>
+        </p:spPr>
+      </p:pic>
+      <p:pic>
+        <p:nvPicPr>
+          <p:cNvPr id="7" name="Picture 6"/>
+          <p:cNvPicPr>
+            <a:picLocks noChangeAspect="1"/>
+          </p:cNvPicPr>
+          <p:nvPr/>
+        </p:nvPicPr>
+        <p:blipFill>
+          <a:blip r:embed="rId5"/>
+          <a:stretch>
+            <a:fillRect/>
+          </a:stretch>
+        </p:blipFill>
+        <p:spPr>
+          <a:xfrm>
+            <a:off x="5353050" y="1891278"/>
+            <a:ext cx="1438314" cy="950342"/>
+          </a:xfrm>
+          <a:prstGeom prst="rect">
+            <a:avLst/>
+          </a:prstGeom>
+        </p:spPr>
+      </p:pic>
+      <p:pic>
+        <p:nvPicPr>
+          <p:cNvPr id="8" name="Picture 7"/>
+          <p:cNvPicPr>
+            <a:picLocks noChangeAspect="1"/>
+          </p:cNvPicPr>
+          <p:nvPr/>
+        </p:nvPicPr>
+        <p:blipFill>
+          <a:blip r:embed="rId6"/>
+          <a:stretch>
+            <a:fillRect/>
+          </a:stretch>
+        </p:blipFill>
+        <p:spPr>
+          <a:xfrm>
+            <a:off x="5039858" y="3426748"/>
+            <a:ext cx="1819463" cy="814175"/>
+          </a:xfrm>
+          <a:prstGeom prst="rect">
+            <a:avLst/>
+          </a:prstGeom>
+        </p:spPr>
+      </p:pic>
+      <p:pic>
+        <p:nvPicPr>
+          <p:cNvPr id="9" name="Picture 8"/>
+          <p:cNvPicPr>
+            <a:picLocks noChangeAspect="1"/>
+          </p:cNvPicPr>
+          <p:nvPr/>
+        </p:nvPicPr>
+        <p:blipFill>
+          <a:blip r:embed="rId7"/>
+          <a:stretch>
+            <a:fillRect/>
+          </a:stretch>
+        </p:blipFill>
+        <p:spPr>
+          <a:xfrm>
+            <a:off x="4710687" y="4785158"/>
+            <a:ext cx="2287306" cy="1009650"/>
+          </a:xfrm>
+          <a:prstGeom prst="rect">
+            <a:avLst/>
+          </a:prstGeom>
+        </p:spPr>
+      </p:pic>
+      <p:pic>
+        <p:nvPicPr>
+          <p:cNvPr id="10" name="Picture 9"/>
+          <p:cNvPicPr>
+            <a:picLocks noChangeAspect="1"/>
+          </p:cNvPicPr>
+          <p:nvPr/>
+        </p:nvPicPr>
+        <p:blipFill>
+          <a:blip r:embed="rId8"/>
+          <a:stretch>
+            <a:fillRect/>
+          </a:stretch>
+        </p:blipFill>
+        <p:spPr>
+          <a:xfrm>
+            <a:off x="9145543" y="2324978"/>
+            <a:ext cx="1602170" cy="980949"/>
+          </a:xfrm>
+          <a:prstGeom prst="rect">
+            <a:avLst/>
+          </a:prstGeom>
+        </p:spPr>
+      </p:pic>
+      <p:pic>
+        <p:nvPicPr>
+          <p:cNvPr id="11" name="Picture 10"/>
+          <p:cNvPicPr>
+            <a:picLocks noChangeAspect="1"/>
+          </p:cNvPicPr>
+          <p:nvPr/>
+        </p:nvPicPr>
+        <p:blipFill>
+          <a:blip r:embed="rId9"/>
+          <a:stretch>
+            <a:fillRect/>
+          </a:stretch>
+        </p:blipFill>
+        <p:spPr>
+          <a:xfrm>
+            <a:off x="8791575" y="3993292"/>
+            <a:ext cx="2472221" cy="991425"/>
+          </a:xfrm>
+          <a:prstGeom prst="rect">
+            <a:avLst/>
+          </a:prstGeom>
+        </p:spPr>
+      </p:pic>
+      <p:sp>
+        <p:nvSpPr>
+          <p:cNvPr id="12" name="TextBox 11"/>
+          <p:cNvSpPr txBox="1"/>
+          <p:nvPr/>
+        </p:nvSpPr>
+        <p:spPr>
+          <a:xfrm>
+            <a:off x="314325" y="2028825"/>
+            <a:ext cx="438150" cy="369332"/>
+          </a:xfrm>
+          <a:prstGeom prst="rect">
+            <a:avLst/>
+          </a:prstGeom>
+          <a:noFill/>
+        </p:spPr>
+        <p:txBody>
+          <a:bodyPr wrap="square" rtlCol="0">
+            <a:spAutoFit/>
+          </a:bodyPr>
+          <a:lstStyle/>
+          <a:p>
+            <a:r>
+              <a:rPr lang="en-SG" dirty="0"/>
+              <a:t>1.</a:t>
+            </a:r>
+          </a:p>
+        </p:txBody>
+      </p:sp>
+      <p:sp>
+        <p:nvSpPr>
+          <p:cNvPr id="13" name="TextBox 12"/>
+          <p:cNvSpPr txBox="1"/>
+          <p:nvPr/>
+        </p:nvSpPr>
+        <p:spPr>
+          <a:xfrm>
+            <a:off x="314325" y="3540566"/>
+            <a:ext cx="438150" cy="369332"/>
+          </a:xfrm>
+          <a:prstGeom prst="rect">
+            <a:avLst/>
+          </a:prstGeom>
+          <a:noFill/>
+        </p:spPr>
+        <p:txBody>
+          <a:bodyPr wrap="square" rtlCol="0">
+            <a:spAutoFit/>
+          </a:bodyPr>
+          <a:lstStyle/>
+          <a:p>
+            <a:r>
+              <a:rPr lang="en-SG" dirty="0"/>
+              <a:t>2.</a:t>
+            </a:r>
+          </a:p>
+        </p:txBody>
+      </p:sp>
+      <p:sp>
+        <p:nvSpPr>
+          <p:cNvPr id="14" name="TextBox 13"/>
+          <p:cNvSpPr txBox="1"/>
+          <p:nvPr/>
+        </p:nvSpPr>
+        <p:spPr>
+          <a:xfrm>
+            <a:off x="314325" y="5342709"/>
+            <a:ext cx="438150" cy="369332"/>
+          </a:xfrm>
+          <a:prstGeom prst="rect">
+            <a:avLst/>
+          </a:prstGeom>
+          <a:noFill/>
+        </p:spPr>
+        <p:txBody>
+          <a:bodyPr wrap="square" rtlCol="0">
+            <a:spAutoFit/>
+          </a:bodyPr>
+          <a:lstStyle/>
+          <a:p>
+            <a:r>
+              <a:rPr lang="en-SG" dirty="0"/>
+              <a:t>3.</a:t>
+            </a:r>
+          </a:p>
+        </p:txBody>
+      </p:sp>
+      <p:sp>
+        <p:nvSpPr>
+          <p:cNvPr id="15" name="TextBox 14"/>
+          <p:cNvSpPr txBox="1"/>
+          <p:nvPr/>
+        </p:nvSpPr>
+        <p:spPr>
+          <a:xfrm>
+            <a:off x="3956886" y="2104635"/>
+            <a:ext cx="438150" cy="369332"/>
+          </a:xfrm>
+          <a:prstGeom prst="rect">
+            <a:avLst/>
+          </a:prstGeom>
+          <a:noFill/>
+        </p:spPr>
+        <p:txBody>
+          <a:bodyPr wrap="square" rtlCol="0">
+            <a:spAutoFit/>
+          </a:bodyPr>
+          <a:lstStyle/>
+          <a:p>
+            <a:r>
+              <a:rPr lang="en-SG" dirty="0"/>
+              <a:t>4.</a:t>
+            </a:r>
+          </a:p>
+        </p:txBody>
+      </p:sp>
+      <p:sp>
+        <p:nvSpPr>
+          <p:cNvPr id="16" name="TextBox 15"/>
+          <p:cNvSpPr txBox="1"/>
+          <p:nvPr/>
+        </p:nvSpPr>
+        <p:spPr>
+          <a:xfrm>
+            <a:off x="3956886" y="3649169"/>
+            <a:ext cx="438150" cy="369332"/>
+          </a:xfrm>
+          <a:prstGeom prst="rect">
+            <a:avLst/>
+          </a:prstGeom>
+          <a:noFill/>
+        </p:spPr>
+        <p:txBody>
+          <a:bodyPr wrap="square" rtlCol="0">
+            <a:spAutoFit/>
+          </a:bodyPr>
+          <a:lstStyle/>
+          <a:p>
+            <a:r>
+              <a:rPr lang="en-SG" dirty="0"/>
+              <a:t>5.</a:t>
+            </a:r>
+          </a:p>
+        </p:txBody>
+      </p:sp>
+      <p:sp>
+        <p:nvSpPr>
+          <p:cNvPr id="17" name="TextBox 16"/>
+          <p:cNvSpPr txBox="1"/>
+          <p:nvPr/>
+        </p:nvSpPr>
+        <p:spPr>
+          <a:xfrm>
+            <a:off x="3956886" y="5009037"/>
+            <a:ext cx="438150" cy="369332"/>
+          </a:xfrm>
+          <a:prstGeom prst="rect">
+            <a:avLst/>
+          </a:prstGeom>
+          <a:noFill/>
+        </p:spPr>
+        <p:txBody>
+          <a:bodyPr wrap="square" rtlCol="0">
+            <a:spAutoFit/>
+          </a:bodyPr>
+          <a:lstStyle/>
+          <a:p>
+            <a:r>
+              <a:rPr lang="en-SG" dirty="0"/>
+              <a:t>6.</a:t>
+            </a:r>
+          </a:p>
+        </p:txBody>
+      </p:sp>
+      <p:sp>
+        <p:nvSpPr>
+          <p:cNvPr id="18" name="TextBox 17"/>
+          <p:cNvSpPr txBox="1"/>
+          <p:nvPr/>
+        </p:nvSpPr>
+        <p:spPr>
+          <a:xfrm>
+            <a:off x="8109786" y="2656954"/>
+            <a:ext cx="438150" cy="369332"/>
+          </a:xfrm>
+          <a:prstGeom prst="rect">
+            <a:avLst/>
+          </a:prstGeom>
+          <a:noFill/>
+        </p:spPr>
+        <p:txBody>
+          <a:bodyPr wrap="square" rtlCol="0">
+            <a:spAutoFit/>
+          </a:bodyPr>
+          <a:lstStyle/>
+          <a:p>
+            <a:r>
+              <a:rPr lang="en-SG" dirty="0"/>
+              <a:t>7.</a:t>
+            </a:r>
+          </a:p>
+        </p:txBody>
+      </p:sp>
+      <p:sp>
+        <p:nvSpPr>
+          <p:cNvPr id="19" name="TextBox 18"/>
+          <p:cNvSpPr txBox="1"/>
+          <p:nvPr/>
+        </p:nvSpPr>
+        <p:spPr>
+          <a:xfrm>
+            <a:off x="8109786" y="4304338"/>
+            <a:ext cx="438150" cy="369332"/>
+          </a:xfrm>
+          <a:prstGeom prst="rect">
+            <a:avLst/>
+          </a:prstGeom>
+          <a:noFill/>
+        </p:spPr>
+        <p:txBody>
+          <a:bodyPr wrap="square" rtlCol="0">
+            <a:spAutoFit/>
+          </a:bodyPr>
+          <a:lstStyle/>
+          <a:p>
+            <a:r>
+              <a:rPr lang="en-SG" dirty="0"/>
+              <a:t>8.</a:t>
+            </a:r>
+          </a:p>
+        </p:txBody>
+      </p:sp>
+    </p:spTree>
+    <p:extLst>
+      <p:ext uri="{BB962C8B-B14F-4D97-AF65-F5344CB8AC3E}">
+        <p14:creationId xmlns:p14="http://schemas.microsoft.com/office/powerpoint/2010/main" val="3481401760"/>
+      </p:ext>
+    </p:extLst>
+  </p:cSld>
+  <p:clrMapOvr>
+    <a:masterClrMapping/>
+  </p:clrMapOvr>
   <p:timing>
     <p:tnLst>
       <p:par>
-        <p:cTn id="1" dur="indefinite" restart="never" nodeType="tmRoot"/>
+        <p:cTn id="1" dur="indefinite" restart="never" nodeType="tmRoot">
+          <p:childTnLst>
+            <p:seq concurrent="1" nextAc="seek">
+              <p:cTn id="2" dur="indefinite" nodeType="mainSeq">
+                <p:childTnLst>
+                  <p:par>
+                    <p:cTn id="3" fill="hold">
+                      <p:stCondLst>
+                        <p:cond delay="indefinite"/>
+                      </p:stCondLst>
+                      <p:childTnLst>
+                        <p:par>
+                          <p:cTn id="4" fill="hold">
+                            <p:stCondLst>
+                              <p:cond delay="0"/>
+                            </p:stCondLst>
+                            <p:childTnLst>
+                              <p:par>
+                                <p:cTn id="5" presetID="1" presetClass="entr" presetSubtype="0" fill="hold" grpId="0" nodeType="clickEffect">
+                                  <p:stCondLst>
+                                    <p:cond delay="0"/>
+                                  </p:stCondLst>
+                                  <p:childTnLst>
+                                    <p:set>
+                                      <p:cBhvr>
+                                        <p:cTn id="6" dur="1" fill="hold">
+                                          <p:stCondLst>
+                                            <p:cond delay="0"/>
+                                          </p:stCondLst>
+                                        </p:cTn>
+                                        <p:tgtEl>
+                                          <p:spTgt spid="12"/>
+                                        </p:tgtEl>
+                                        <p:attrNameLst>
+                                          <p:attrName>style.visibility</p:attrName>
+                                        </p:attrNameLst>
+                                      </p:cBhvr>
+                                      <p:to>
+                                        <p:strVal val="visible"/>
+                                      </p:to>
+                                    </p:set>
+                                  </p:childTnLst>
+                                </p:cTn>
+                              </p:par>
+                              <p:par>
+                                <p:cTn id="7" presetID="1" presetClass="entr" presetSubtype="0" fill="hold" nodeType="withEffect">
+                                  <p:stCondLst>
+                                    <p:cond delay="0"/>
+                                  </p:stCondLst>
+                                  <p:childTnLst>
+                                    <p:set>
+                                      <p:cBhvr>
+                                        <p:cTn id="8" dur="1" fill="hold">
+                                          <p:stCondLst>
+                                            <p:cond delay="0"/>
+                                          </p:stCondLst>
+                                        </p:cTn>
+                                        <p:tgtEl>
+                                          <p:spTgt spid="4"/>
+                                        </p:tgtEl>
+                                        <p:attrNameLst>
+                                          <p:attrName>style.visibility</p:attrName>
+                                        </p:attrNameLst>
+                                      </p:cBhvr>
+                                      <p:to>
+                                        <p:strVal val="visible"/>
+                                      </p:to>
+                                    </p:set>
+                                  </p:childTnLst>
+                                </p:cTn>
+                              </p:par>
+                            </p:childTnLst>
+                          </p:cTn>
+                        </p:par>
+                      </p:childTnLst>
+                    </p:cTn>
+                  </p:par>
+                  <p:par>
+                    <p:cTn id="9" fill="hold">
+                      <p:stCondLst>
+                        <p:cond delay="indefinite"/>
+                      </p:stCondLst>
+                      <p:childTnLst>
+                        <p:par>
+                          <p:cTn id="10" fill="hold">
+                            <p:stCondLst>
+                              <p:cond delay="0"/>
+                            </p:stCondLst>
+                            <p:childTnLst>
+                              <p:par>
+                                <p:cTn id="11" presetID="1" presetClass="entr" presetSubtype="0" fill="hold" grpId="0" nodeType="clickEffect">
+                                  <p:stCondLst>
+                                    <p:cond delay="0"/>
+                                  </p:stCondLst>
+                                  <p:childTnLst>
+                                    <p:set>
+                                      <p:cBhvr>
+                                        <p:cTn id="12" dur="1" fill="hold">
+                                          <p:stCondLst>
+                                            <p:cond delay="0"/>
+                                          </p:stCondLst>
+                                        </p:cTn>
+                                        <p:tgtEl>
+                                          <p:spTgt spid="13"/>
+                                        </p:tgtEl>
+                                        <p:attrNameLst>
+                                          <p:attrName>style.visibility</p:attrName>
+                                        </p:attrNameLst>
+                                      </p:cBhvr>
+                                      <p:to>
+                                        <p:strVal val="visible"/>
+                                      </p:to>
+                                    </p:set>
+                                  </p:childTnLst>
+                                </p:cTn>
+                              </p:par>
+                              <p:par>
+                                <p:cTn id="13" presetID="1" presetClass="entr" presetSubtype="0" fill="hold" nodeType="withEffect">
+                                  <p:stCondLst>
+                                    <p:cond delay="0"/>
+                                  </p:stCondLst>
+                                  <p:childTnLst>
+                                    <p:set>
+                                      <p:cBhvr>
+                                        <p:cTn id="14" dur="1" fill="hold">
+                                          <p:stCondLst>
+                                            <p:cond delay="0"/>
+                                          </p:stCondLst>
+                                        </p:cTn>
+                                        <p:tgtEl>
+                                          <p:spTgt spid="5"/>
+                                        </p:tgtEl>
+                                        <p:attrNameLst>
+                                          <p:attrName>style.visibility</p:attrName>
+                                        </p:attrNameLst>
+                                      </p:cBhvr>
+                                      <p:to>
+                                        <p:strVal val="visible"/>
+                                      </p:to>
+                                    </p:set>
+                                  </p:childTnLst>
+                                </p:cTn>
+                              </p:par>
+                            </p:childTnLst>
+                          </p:cTn>
+                        </p:par>
+                      </p:childTnLst>
+                    </p:cTn>
+                  </p:par>
+                  <p:par>
+                    <p:cTn id="15" fill="hold">
+                      <p:stCondLst>
+                        <p:cond delay="indefinite"/>
+                      </p:stCondLst>
+                      <p:childTnLst>
+                        <p:par>
+                          <p:cTn id="16" fill="hold">
+                            <p:stCondLst>
+                              <p:cond delay="0"/>
+                            </p:stCondLst>
+                            <p:childTnLst>
+                              <p:par>
+                                <p:cTn id="17" presetID="1" presetClass="entr" presetSubtype="0" fill="hold" grpId="0" nodeType="clickEffect">
+                                  <p:stCondLst>
+                                    <p:cond delay="0"/>
+                                  </p:stCondLst>
+                                  <p:childTnLst>
+                                    <p:set>
+                                      <p:cBhvr>
+                                        <p:cTn id="18" dur="1" fill="hold">
+                                          <p:stCondLst>
+                                            <p:cond delay="0"/>
+                                          </p:stCondLst>
+                                        </p:cTn>
+                                        <p:tgtEl>
+                                          <p:spTgt spid="14"/>
+                                        </p:tgtEl>
+                                        <p:attrNameLst>
+                                          <p:attrName>style.visibility</p:attrName>
+                                        </p:attrNameLst>
+                                      </p:cBhvr>
+                                      <p:to>
+                                        <p:strVal val="visible"/>
+                                      </p:to>
+                                    </p:set>
+                                  </p:childTnLst>
+                                </p:cTn>
+                              </p:par>
+                              <p:par>
+                                <p:cTn id="19" presetID="1" presetClass="entr" presetSubtype="0" fill="hold" nodeType="withEffect">
+                                  <p:stCondLst>
+                                    <p:cond delay="0"/>
+                                  </p:stCondLst>
+                                  <p:childTnLst>
+                                    <p:set>
+                                      <p:cBhvr>
+                                        <p:cTn id="20" dur="1" fill="hold">
+                                          <p:stCondLst>
+                                            <p:cond delay="0"/>
+                                          </p:stCondLst>
+                                        </p:cTn>
+                                        <p:tgtEl>
+                                          <p:spTgt spid="6"/>
+                                        </p:tgtEl>
+                                        <p:attrNameLst>
+                                          <p:attrName>style.visibility</p:attrName>
+                                        </p:attrNameLst>
+                                      </p:cBhvr>
+                                      <p:to>
+                                        <p:strVal val="visible"/>
+                                      </p:to>
+                                    </p:set>
+                                  </p:childTnLst>
+                                </p:cTn>
+                              </p:par>
+                            </p:childTnLst>
+                          </p:cTn>
+                        </p:par>
+                      </p:childTnLst>
+                    </p:cTn>
+                  </p:par>
+                  <p:par>
+                    <p:cTn id="21" fill="hold">
+                      <p:stCondLst>
+                        <p:cond delay="indefinite"/>
+                      </p:stCondLst>
+                      <p:childTnLst>
+                        <p:par>
+                          <p:cTn id="22" fill="hold">
+                            <p:stCondLst>
+                              <p:cond delay="0"/>
+                            </p:stCondLst>
+                            <p:childTnLst>
+                              <p:par>
+                                <p:cTn id="23" presetID="1" presetClass="entr" presetSubtype="0" fill="hold" grpId="0" nodeType="clickEffect">
+                                  <p:stCondLst>
+                                    <p:cond delay="0"/>
+                                  </p:stCondLst>
+                                  <p:childTnLst>
+                                    <p:set>
+                                      <p:cBhvr>
+                                        <p:cTn id="24" dur="1" fill="hold">
+                                          <p:stCondLst>
+                                            <p:cond delay="0"/>
+                                          </p:stCondLst>
+                                        </p:cTn>
+                                        <p:tgtEl>
+                                          <p:spTgt spid="15"/>
+                                        </p:tgtEl>
+                                        <p:attrNameLst>
+                                          <p:attrName>style.visibility</p:attrName>
+                                        </p:attrNameLst>
+                                      </p:cBhvr>
+                                      <p:to>
+                                        <p:strVal val="visible"/>
+                                      </p:to>
+                                    </p:set>
+                                  </p:childTnLst>
+                                </p:cTn>
+                              </p:par>
+                              <p:par>
+                                <p:cTn id="25" presetID="1" presetClass="entr" presetSubtype="0" fill="hold" nodeType="withEffect">
+                                  <p:stCondLst>
+                                    <p:cond delay="0"/>
+                                  </p:stCondLst>
+                                  <p:childTnLst>
+                                    <p:set>
+                                      <p:cBhvr>
+                                        <p:cTn id="26" dur="1" fill="hold">
+                                          <p:stCondLst>
+                                            <p:cond delay="0"/>
+                                          </p:stCondLst>
+                                        </p:cTn>
+                                        <p:tgtEl>
+                                          <p:spTgt spid="7"/>
+                                        </p:tgtEl>
+                                        <p:attrNameLst>
+                                          <p:attrName>style.visibility</p:attrName>
+                                        </p:attrNameLst>
+                                      </p:cBhvr>
+                                      <p:to>
+                                        <p:strVal val="visible"/>
+                                      </p:to>
+                                    </p:set>
+                                  </p:childTnLst>
+                                </p:cTn>
+                              </p:par>
+                            </p:childTnLst>
+                          </p:cTn>
+                        </p:par>
+                      </p:childTnLst>
+                    </p:cTn>
+                  </p:par>
+                  <p:par>
+                    <p:cTn id="27" fill="hold">
+                      <p:stCondLst>
+                        <p:cond delay="indefinite"/>
+                      </p:stCondLst>
+                      <p:childTnLst>
+                        <p:par>
+                          <p:cTn id="28" fill="hold">
+                            <p:stCondLst>
+                              <p:cond delay="0"/>
+                            </p:stCondLst>
+                            <p:childTnLst>
+                              <p:par>
+                                <p:cTn id="29" presetID="1" presetClass="entr" presetSubtype="0" fill="hold" grpId="0" nodeType="clickEffect">
+                                  <p:stCondLst>
+                                    <p:cond delay="0"/>
+                                  </p:stCondLst>
+                                  <p:childTnLst>
+                                    <p:set>
+                                      <p:cBhvr>
+                                        <p:cTn id="30" dur="1" fill="hold">
+                                          <p:stCondLst>
+                                            <p:cond delay="0"/>
+                                          </p:stCondLst>
+                                        </p:cTn>
+                                        <p:tgtEl>
+                                          <p:spTgt spid="16"/>
+                                        </p:tgtEl>
+                                        <p:attrNameLst>
+                                          <p:attrName>style.visibility</p:attrName>
+                                        </p:attrNameLst>
+                                      </p:cBhvr>
+                                      <p:to>
+                                        <p:strVal val="visible"/>
+                                      </p:to>
+                                    </p:set>
+                                  </p:childTnLst>
+                                </p:cTn>
+                              </p:par>
+                              <p:par>
+                                <p:cTn id="31" presetID="1" presetClass="entr" presetSubtype="0" fill="hold" nodeType="withEffect">
+                                  <p:stCondLst>
+                                    <p:cond delay="0"/>
+                                  </p:stCondLst>
+                                  <p:childTnLst>
+                                    <p:set>
+                                      <p:cBhvr>
+                                        <p:cTn id="32" dur="1" fill="hold">
+                                          <p:stCondLst>
+                                            <p:cond delay="0"/>
+                                          </p:stCondLst>
+                                        </p:cTn>
+                                        <p:tgtEl>
+                                          <p:spTgt spid="8"/>
+                                        </p:tgtEl>
+                                        <p:attrNameLst>
+                                          <p:attrName>style.visibility</p:attrName>
+                                        </p:attrNameLst>
+                                      </p:cBhvr>
+                                      <p:to>
+                                        <p:strVal val="visible"/>
+                                      </p:to>
+                                    </p:set>
+                                  </p:childTnLst>
+                                </p:cTn>
+                              </p:par>
+                            </p:childTnLst>
+                          </p:cTn>
+                        </p:par>
+                      </p:childTnLst>
+                    </p:cTn>
+                  </p:par>
+                  <p:par>
+                    <p:cTn id="33" fill="hold">
+                      <p:stCondLst>
+                        <p:cond delay="indefinite"/>
+                      </p:stCondLst>
+                      <p:childTnLst>
+                        <p:par>
+                          <p:cTn id="34" fill="hold">
+                            <p:stCondLst>
+                              <p:cond delay="0"/>
+                            </p:stCondLst>
+                            <p:childTnLst>
+                              <p:par>
+                                <p:cTn id="35" presetID="1" presetClass="entr" presetSubtype="0" fill="hold" grpId="0" nodeType="clickEffect">
+                                  <p:stCondLst>
+                                    <p:cond delay="0"/>
+                                  </p:stCondLst>
+                                  <p:childTnLst>
+                                    <p:set>
+                                      <p:cBhvr>
+                                        <p:cTn id="36" dur="1" fill="hold">
+                                          <p:stCondLst>
+                                            <p:cond delay="0"/>
+                                          </p:stCondLst>
+                                        </p:cTn>
+                                        <p:tgtEl>
+                                          <p:spTgt spid="17"/>
+                                        </p:tgtEl>
+                                        <p:attrNameLst>
+                                          <p:attrName>style.visibility</p:attrName>
+                                        </p:attrNameLst>
+                                      </p:cBhvr>
+                                      <p:to>
+                                        <p:strVal val="visible"/>
+                                      </p:to>
+                                    </p:set>
+                                  </p:childTnLst>
+                                </p:cTn>
+                              </p:par>
+                              <p:par>
+                                <p:cTn id="37" presetID="1" presetClass="entr" presetSubtype="0" fill="hold" nodeType="withEffect">
+                                  <p:stCondLst>
+                                    <p:cond delay="0"/>
+                                  </p:stCondLst>
+                                  <p:childTnLst>
+                                    <p:set>
+                                      <p:cBhvr>
+                                        <p:cTn id="38" dur="1" fill="hold">
+                                          <p:stCondLst>
+                                            <p:cond delay="0"/>
+                                          </p:stCondLst>
+                                        </p:cTn>
+                                        <p:tgtEl>
+                                          <p:spTgt spid="9"/>
+                                        </p:tgtEl>
+                                        <p:attrNameLst>
+                                          <p:attrName>style.visibility</p:attrName>
+                                        </p:attrNameLst>
+                                      </p:cBhvr>
+                                      <p:to>
+                                        <p:strVal val="visible"/>
+                                      </p:to>
+                                    </p:set>
+                                  </p:childTnLst>
+                                </p:cTn>
+                              </p:par>
+                            </p:childTnLst>
+                          </p:cTn>
+                        </p:par>
+                      </p:childTnLst>
+                    </p:cTn>
+                  </p:par>
+                  <p:par>
+                    <p:cTn id="39" fill="hold">
+                      <p:stCondLst>
+                        <p:cond delay="indefinite"/>
+                      </p:stCondLst>
+                      <p:childTnLst>
+                        <p:par>
+                          <p:cTn id="40" fill="hold">
+                            <p:stCondLst>
+                              <p:cond delay="0"/>
+                            </p:stCondLst>
+                            <p:childTnLst>
+                              <p:par>
+                                <p:cTn id="41" presetID="1" presetClass="entr" presetSubtype="0" fill="hold" grpId="0" nodeType="clickEffect">
+                                  <p:stCondLst>
+                                    <p:cond delay="0"/>
+                                  </p:stCondLst>
+                                  <p:childTnLst>
+                                    <p:set>
+                                      <p:cBhvr>
+                                        <p:cTn id="42" dur="1" fill="hold">
+                                          <p:stCondLst>
+                                            <p:cond delay="0"/>
+                                          </p:stCondLst>
+                                        </p:cTn>
+                                        <p:tgtEl>
+                                          <p:spTgt spid="18"/>
+                                        </p:tgtEl>
+                                        <p:attrNameLst>
+                                          <p:attrName>style.visibility</p:attrName>
+                                        </p:attrNameLst>
+                                      </p:cBhvr>
+                                      <p:to>
+                                        <p:strVal val="visible"/>
+                                      </p:to>
+                                    </p:set>
+                                  </p:childTnLst>
+                                </p:cTn>
+                              </p:par>
+                              <p:par>
+                                <p:cTn id="43" presetID="1" presetClass="entr" presetSubtype="0" fill="hold" nodeType="withEffect">
+                                  <p:stCondLst>
+                                    <p:cond delay="0"/>
+                                  </p:stCondLst>
+                                  <p:childTnLst>
+                                    <p:set>
+                                      <p:cBhvr>
+                                        <p:cTn id="44" dur="1" fill="hold">
+                                          <p:stCondLst>
+                                            <p:cond delay="0"/>
+                                          </p:stCondLst>
+                                        </p:cTn>
+                                        <p:tgtEl>
+                                          <p:spTgt spid="10"/>
+                                        </p:tgtEl>
+                                        <p:attrNameLst>
+                                          <p:attrName>style.visibility</p:attrName>
+                                        </p:attrNameLst>
+                                      </p:cBhvr>
+                                      <p:to>
+                                        <p:strVal val="visible"/>
+                                      </p:to>
+                                    </p:set>
+                                  </p:childTnLst>
+                                </p:cTn>
+                              </p:par>
+                            </p:childTnLst>
+                          </p:cTn>
+                        </p:par>
+                      </p:childTnLst>
+                    </p:cTn>
+                  </p:par>
+                  <p:par>
+                    <p:cTn id="45" fill="hold">
+                      <p:stCondLst>
+                        <p:cond delay="indefinite"/>
+                      </p:stCondLst>
+                      <p:childTnLst>
+                        <p:par>
+                          <p:cTn id="46" fill="hold">
+                            <p:stCondLst>
+                              <p:cond delay="0"/>
+                            </p:stCondLst>
+                            <p:childTnLst>
+                              <p:par>
+                                <p:cTn id="47" presetID="1" presetClass="entr" presetSubtype="0" fill="hold" grpId="0" nodeType="clickEffect">
+                                  <p:stCondLst>
+                                    <p:cond delay="0"/>
+                                  </p:stCondLst>
+                                  <p:childTnLst>
+                                    <p:set>
+                                      <p:cBhvr>
+                                        <p:cTn id="48" dur="1" fill="hold">
+                                          <p:stCondLst>
+                                            <p:cond delay="0"/>
+                                          </p:stCondLst>
+                                        </p:cTn>
+                                        <p:tgtEl>
+                                          <p:spTgt spid="19"/>
+                                        </p:tgtEl>
+                                        <p:attrNameLst>
+                                          <p:attrName>style.visibility</p:attrName>
+                                        </p:attrNameLst>
+                                      </p:cBhvr>
+                                      <p:to>
+                                        <p:strVal val="visible"/>
+                                      </p:to>
+                                    </p:set>
+                                  </p:childTnLst>
+                                </p:cTn>
+                              </p:par>
+                              <p:par>
+                                <p:cTn id="49" presetID="1" presetClass="entr" presetSubtype="0" fill="hold" nodeType="withEffect">
+                                  <p:stCondLst>
+                                    <p:cond delay="0"/>
+                                  </p:stCondLst>
+                                  <p:childTnLst>
+                                    <p:set>
+                                      <p:cBhvr>
+                                        <p:cTn id="50" dur="1" fill="hold">
+                                          <p:stCondLst>
+                                            <p:cond delay="0"/>
+                                          </p:stCondLst>
+                                        </p:cTn>
+                                        <p:tgtEl>
+                                          <p:spTgt spid="11"/>
+                                        </p:tgtEl>
+                                        <p:attrNameLst>
+                                          <p:attrName>style.visibility</p:attrName>
+                                        </p:attrNameLst>
+                                      </p:cBhvr>
+                                      <p:to>
+                                        <p:strVal val="visible"/>
+                                      </p:to>
+                                    </p:set>
+                                  </p:childTnLst>
+                                </p:cTn>
+                              </p:par>
+                            </p:childTnLst>
+                          </p:cTn>
+                        </p:par>
+                      </p:childTnLst>
+                    </p:cTn>
+                  </p:par>
+                </p:childTnLst>
+              </p:cTn>
+              <p:prevCondLst>
+                <p:cond evt="onPrev" delay="0">
+                  <p:tgtEl>
+                    <p:sldTgt/>
+                  </p:tgtEl>
+                </p:cond>
+              </p:prevCondLst>
+              <p:nextCondLst>
+                <p:cond evt="onNext" delay="0">
+                  <p:tgtEl>
+                    <p:sldTgt/>
+                  </p:tgtEl>
+                </p:cond>
+              </p:nextCondLst>
+            </p:seq>
+          </p:childTnLst>
+        </p:cTn>
       </p:par>
     </p:tnLst>
+    <p:bldLst>
+      <p:bldP spid="12" grpId="0"/>
+      <p:bldP spid="13" grpId="0"/>
+      <p:bldP spid="14" grpId="0"/>
+      <p:bldP spid="15" grpId="0"/>
+      <p:bldP spid="16" grpId="0"/>
+      <p:bldP spid="17" grpId="0"/>
+      <p:bldP spid="18" grpId="0"/>
+      <p:bldP spid="19" grpId="0"/>
+    </p:bldLst>
   </p:timing>
 </p:sld>
 </file>
 
-<file path=ppt/slides/slide10.xml><?xml version="1.0" encoding="utf-8"?>
+<file path=ppt/slides/slide11.xml><?xml version="1.0" encoding="utf-8"?>
 <p:sld xmlns:a="http://schemas.openxmlformats.org/drawingml/2006/main" xmlns:r="http://schemas.openxmlformats.org/officeDocument/2006/relationships" xmlns:p="http://schemas.openxmlformats.org/presentationml/2006/main">
   <p:cSld>
     <p:spTree>
@@ -3200,13 +4322,6 @@
   <p:clrMapOvr>
     <a:masterClrMapping/>
   </p:clrMapOvr>
-  <p:timing>
-    <p:tnLst>
-      <p:par>
-        <p:cTn id="1" dur="indefinite" restart="never" nodeType="tmRoot"/>
-      </p:par>
-    </p:tnLst>
-  </p:timing>
 </p:sld>
 </file>
 
@@ -3248,18 +4363,13 @@
           <a:lstStyle/>
           <a:p>
             <a:r>
-              <a:rPr lang="en-US" b="1" dirty="0" smtClean="0">
+              <a:rPr lang="en-US" b="1" dirty="0">
                 <a:solidFill>
                   <a:srgbClr val="0070C0"/>
                 </a:solidFill>
               </a:rPr>
               <a:t>Inverse Laplace Transform</a:t>
             </a:r>
-            <a:endParaRPr lang="en-US" b="1" dirty="0">
-              <a:solidFill>
-                <a:srgbClr val="0070C0"/>
-              </a:solidFill>
-            </a:endParaRPr>
           </a:p>
         </p:txBody>
       </p:sp>
@@ -3273,13 +4383,6 @@
   <p:clrMapOvr>
     <a:masterClrMapping/>
   </p:clrMapOvr>
-  <p:timing>
-    <p:tnLst>
-      <p:par>
-        <p:cTn id="1" dur="indefinite" restart="never" nodeType="tmRoot"/>
-      </p:par>
-    </p:tnLst>
-  </p:timing>
 </p:sld>
 </file>
 
@@ -3323,18 +4426,13 @@
           <a:lstStyle/>
           <a:p>
             <a:r>
-              <a:rPr lang="en-US" b="1" dirty="0" smtClean="0">
+              <a:rPr lang="en-US" b="1" dirty="0">
                 <a:solidFill>
                   <a:srgbClr val="C00000"/>
                 </a:solidFill>
               </a:rPr>
               <a:t>List of Transforms</a:t>
             </a:r>
-            <a:endParaRPr lang="en-US" b="1" dirty="0">
-              <a:solidFill>
-                <a:srgbClr val="C00000"/>
-              </a:solidFill>
-            </a:endParaRPr>
           </a:p>
         </p:txBody>
       </p:sp>
@@ -4390,7 +5488,7 @@
                   </m:oMath>
                 </a14:m>
                 <a:r>
-                  <a:rPr lang="en-US" sz="2400" dirty="0" smtClean="0"/>
+                  <a:rPr lang="en-US" sz="2400" dirty="0"/>
                   <a:t>=</a:t>
                 </a:r>
                 <a14:m>
@@ -5815,18 +6913,13 @@
           <a:lstStyle/>
           <a:p>
             <a:r>
-              <a:rPr lang="en-US" b="1" dirty="0" smtClean="0">
+              <a:rPr lang="en-US" b="1" dirty="0">
                 <a:solidFill>
                   <a:srgbClr val="C00000"/>
                 </a:solidFill>
               </a:rPr>
               <a:t>List of Inverse Transforms</a:t>
             </a:r>
-            <a:endParaRPr lang="en-US" b="1" dirty="0">
-              <a:solidFill>
-                <a:srgbClr val="C00000"/>
-              </a:solidFill>
-            </a:endParaRPr>
           </a:p>
         </p:txBody>
       </p:sp>
@@ -6665,7 +7758,7 @@
                   </m:oMath>
                 </a14:m>
                 <a:r>
-                  <a:rPr lang="en-US" sz="2400" dirty="0" smtClean="0"/>
+                  <a:rPr lang="en-US" sz="2400" dirty="0"/>
                   <a:t>=</a:t>
                 </a:r>
                 <a14:m>
@@ -10318,18 +11411,13 @@
           <a:lstStyle/>
           <a:p>
             <a:r>
-              <a:rPr lang="en-US" b="1" dirty="0" smtClean="0">
+              <a:rPr lang="en-US" b="1" dirty="0">
                 <a:solidFill>
                   <a:srgbClr val="C00000"/>
                 </a:solidFill>
               </a:rPr>
               <a:t>Example problems</a:t>
             </a:r>
-            <a:endParaRPr lang="en-US" b="1" dirty="0">
-              <a:solidFill>
-                <a:srgbClr val="C00000"/>
-              </a:solidFill>
-            </a:endParaRPr>
           </a:p>
         </p:txBody>
       </p:sp>
@@ -10359,7 +11447,7 @@
                   <a:buNone/>
                 </a:pPr>
                 <a:r>
-                  <a:rPr lang="en-US" dirty="0" smtClean="0"/>
+                  <a:rPr lang="en-US" dirty="0"/>
                   <a:t>1. Find the Inverse Laplace Transform of </a:t>
                 </a:r>
                 <a14:m>
@@ -10519,7 +11607,7 @@
           <a:lstStyle/>
           <a:p>
             <a:r>
-              <a:rPr lang="en-SG" sz="2400" dirty="0" err="1" smtClean="0">
+              <a:rPr lang="en-SG" sz="2400" dirty="0" err="1">
                 <a:solidFill>
                   <a:srgbClr val="0070C0"/>
                 </a:solidFill>
@@ -10527,18 +11615,13 @@
               <a:t>Ans</a:t>
             </a:r>
             <a:r>
-              <a:rPr lang="en-SG" sz="2400" dirty="0" smtClean="0">
+              <a:rPr lang="en-SG" sz="2400" dirty="0">
                 <a:solidFill>
                   <a:srgbClr val="0070C0"/>
                 </a:solidFill>
               </a:rPr>
               <a:t>:</a:t>
             </a:r>
-            <a:endParaRPr lang="en-SG" sz="2400" dirty="0">
-              <a:solidFill>
-                <a:srgbClr val="0070C0"/>
-              </a:solidFill>
-            </a:endParaRPr>
           </a:p>
         </p:txBody>
       </p:sp>
@@ -10567,7 +11650,7 @@
               <a:lstStyle/>
               <a:p>
                 <a:r>
-                  <a:rPr lang="en-SG" sz="2400" dirty="0" smtClean="0"/>
+                  <a:rPr lang="en-SG" sz="2400" dirty="0"/>
                   <a:t>Take </a:t>
                 </a:r>
                 <a14:m>
@@ -10686,10 +11769,9 @@
                   </m:oMath>
                 </a14:m>
                 <a:r>
-                  <a:rPr lang="en-SG" sz="2400" dirty="0" smtClean="0"/>
+                  <a:rPr lang="en-SG" sz="2400" dirty="0"/>
                   <a:t> </a:t>
                 </a:r>
-                <a:endParaRPr lang="en-SG" sz="2400" dirty="0"/>
               </a:p>
             </p:txBody>
           </p:sp>
@@ -12297,19 +13379,7 @@
             </a:pPr>
             <a:r>
               <a:rPr lang="en-US" dirty="0"/>
-              <a:t>2</a:t>
-            </a:r>
-            <a:r>
-              <a:rPr lang="en-US" dirty="0" smtClean="0"/>
-              <a:t>. </a:t>
-            </a:r>
-            <a:r>
-              <a:rPr lang="en-US" dirty="0"/>
-              <a:t>Find the Inverse Laplace Transform </a:t>
-            </a:r>
-            <a:r>
-              <a:rPr lang="en-US" dirty="0" smtClean="0"/>
-              <a:t>of</a:t>
+              <a:t>2. Find the Inverse Laplace Transform of</a:t>
             </a:r>
             <a:endParaRPr lang="en-SG" dirty="0"/>
           </a:p>
@@ -12362,7 +13432,7 @@
           <a:lstStyle/>
           <a:p>
             <a:r>
-              <a:rPr lang="en-SG" sz="2400" dirty="0" err="1" smtClean="0">
+              <a:rPr lang="en-SG" sz="2400" dirty="0" err="1">
                 <a:solidFill>
                   <a:srgbClr val="0070C0"/>
                 </a:solidFill>
@@ -12370,18 +13440,13 @@
               <a:t>Ans</a:t>
             </a:r>
             <a:r>
-              <a:rPr lang="en-SG" sz="2400" dirty="0" smtClean="0">
+              <a:rPr lang="en-SG" sz="2400" dirty="0">
                 <a:solidFill>
                   <a:srgbClr val="0070C0"/>
                 </a:solidFill>
               </a:rPr>
               <a:t>:</a:t>
             </a:r>
-            <a:endParaRPr lang="en-SG" sz="2400" dirty="0">
-              <a:solidFill>
-                <a:srgbClr val="0070C0"/>
-              </a:solidFill>
-            </a:endParaRPr>
           </a:p>
         </p:txBody>
       </p:sp>
@@ -12410,7 +13475,7 @@
               <a:lstStyle/>
               <a:p>
                 <a:r>
-                  <a:rPr lang="en-SG" sz="2400" dirty="0" smtClean="0"/>
+                  <a:rPr lang="en-SG" sz="2400" dirty="0"/>
                   <a:t>Take </a:t>
                 </a:r>
                 <a14:m>
@@ -12504,10 +13569,9 @@
                   </m:oMath>
                 </a14:m>
                 <a:r>
-                  <a:rPr lang="en-SG" sz="2400" dirty="0" smtClean="0"/>
+                  <a:rPr lang="en-SG" sz="2400" dirty="0"/>
                   <a:t> </a:t>
                 </a:r>
-                <a:endParaRPr lang="en-SG" sz="2400" dirty="0"/>
               </a:p>
             </p:txBody>
           </p:sp>
@@ -13481,10 +14545,9 @@
                   </m:oMath>
                 </a14:m>
                 <a:r>
-                  <a:rPr lang="en-SG" dirty="0" smtClean="0"/>
+                  <a:rPr lang="en-SG" dirty="0"/>
                   <a:t> </a:t>
                 </a:r>
-                <a:endParaRPr lang="en-SG" dirty="0"/>
               </a:p>
             </p:txBody>
           </p:sp>
@@ -13889,7 +14952,7 @@
           <a:lstStyle/>
           <a:p>
             <a:r>
-              <a:rPr lang="en-SG" b="1" dirty="0" smtClean="0">
+              <a:rPr lang="en-SG" b="1" dirty="0">
                 <a:solidFill>
                   <a:srgbClr val="C00000"/>
                 </a:solidFill>
@@ -13897,7 +14960,7 @@
               <a:t>Problems </a:t>
             </a:r>
             <a:r>
-              <a:rPr lang="en-SG" b="1" dirty="0" err="1" smtClean="0">
+              <a:rPr lang="en-SG" b="1" dirty="0" err="1">
                 <a:solidFill>
                   <a:srgbClr val="C00000"/>
                 </a:solidFill>
@@ -13905,18 +14968,13 @@
               <a:t>cont</a:t>
             </a:r>
             <a:r>
-              <a:rPr lang="en-SG" b="1" dirty="0" smtClean="0">
+              <a:rPr lang="en-SG" b="1" dirty="0">
                 <a:solidFill>
                   <a:srgbClr val="C00000"/>
                 </a:solidFill>
               </a:rPr>
               <a:t>…</a:t>
             </a:r>
-            <a:endParaRPr lang="en-SG" b="1" dirty="0">
-              <a:solidFill>
-                <a:srgbClr val="C00000"/>
-              </a:solidFill>
-            </a:endParaRPr>
           </a:p>
         </p:txBody>
       </p:sp>
@@ -13947,11 +15005,7 @@
                 </a:pPr>
                 <a:r>
                   <a:rPr lang="en-US" dirty="0"/>
-                  <a:t>3</a:t>
-                </a:r>
-                <a:r>
-                  <a:rPr lang="en-US" dirty="0" smtClean="0"/>
-                  <a:t>. Find the Inverse Laplace Transform of </a:t>
+                  <a:t>3. Find the Inverse Laplace Transform of </a:t>
                 </a:r>
                 <a14:m>
                   <m:oMath xmlns:m="http://schemas.openxmlformats.org/officeDocument/2006/math">
@@ -14272,7 +15326,7 @@
           <a:lstStyle/>
           <a:p>
             <a:r>
-              <a:rPr lang="en-SG" sz="2400" dirty="0" err="1" smtClean="0">
+              <a:rPr lang="en-SG" sz="2400" dirty="0" err="1">
                 <a:solidFill>
                   <a:srgbClr val="0070C0"/>
                 </a:solidFill>
@@ -14280,18 +15334,13 @@
               <a:t>Ans</a:t>
             </a:r>
             <a:r>
-              <a:rPr lang="en-SG" sz="2400" dirty="0" smtClean="0">
+              <a:rPr lang="en-SG" sz="2400" dirty="0">
                 <a:solidFill>
                   <a:srgbClr val="0070C0"/>
                 </a:solidFill>
               </a:rPr>
               <a:t>:</a:t>
             </a:r>
-            <a:endParaRPr lang="en-SG" sz="2400" dirty="0">
-              <a:solidFill>
-                <a:srgbClr val="0070C0"/>
-              </a:solidFill>
-            </a:endParaRPr>
           </a:p>
         </p:txBody>
       </p:sp>
@@ -14463,7 +15512,7 @@
               <a:lstStyle/>
               <a:p>
                 <a:r>
-                  <a:rPr lang="en-SG" sz="2400" dirty="0" smtClean="0"/>
+                  <a:rPr lang="en-SG" sz="2400" dirty="0"/>
                   <a:t>Put </a:t>
                 </a:r>
                 <a14:m>
@@ -14549,10 +15598,9 @@
           <a:lstStyle/>
           <a:p>
             <a:r>
-              <a:rPr lang="en-SG" sz="2400" dirty="0" smtClean="0"/>
+              <a:rPr lang="en-SG" sz="2400" dirty="0"/>
               <a:t>We get</a:t>
             </a:r>
-            <a:endParaRPr lang="en-SG" sz="2400" dirty="0"/>
           </a:p>
         </p:txBody>
       </p:sp>
@@ -14696,7 +15744,7 @@
               <a:lstStyle/>
               <a:p>
                 <a:r>
-                  <a:rPr lang="en-SG" sz="2400" dirty="0" smtClean="0"/>
+                  <a:rPr lang="en-SG" sz="2400" dirty="0"/>
                   <a:t>Put </a:t>
                 </a:r>
                 <a14:m>
@@ -14782,10 +15830,9 @@
           <a:lstStyle/>
           <a:p>
             <a:r>
-              <a:rPr lang="en-SG" sz="2400" dirty="0" smtClean="0"/>
+              <a:rPr lang="en-SG" sz="2400" dirty="0"/>
               <a:t>We get</a:t>
             </a:r>
-            <a:endParaRPr lang="en-SG" sz="2400" dirty="0"/>
           </a:p>
         </p:txBody>
       </p:sp>
@@ -17161,6 +18208,86 @@
       </p:grpSpPr>
       <p:sp>
         <p:nvSpPr>
+          <p:cNvPr id="2" name="Title 1">
+            <a:extLst>
+              <a:ext uri="{FF2B5EF4-FFF2-40B4-BE49-F238E27FC236}">
+                <a16:creationId xmlns:a16="http://schemas.microsoft.com/office/drawing/2014/main" id="{BBBF64E8-4A65-4681-9736-CBA6DB9BA6DE}"/>
+              </a:ext>
+            </a:extLst>
+          </p:cNvPr>
+          <p:cNvSpPr>
+            <a:spLocks noGrp="1"/>
+          </p:cNvSpPr>
+          <p:nvPr>
+            <p:ph type="title"/>
+          </p:nvPr>
+        </p:nvSpPr>
+        <p:spPr/>
+        <p:txBody>
+          <a:bodyPr/>
+          <a:lstStyle/>
+          <a:p>
+            <a:endParaRPr lang="en-US"/>
+          </a:p>
+        </p:txBody>
+      </p:sp>
+      <p:sp>
+        <p:nvSpPr>
+          <p:cNvPr id="3" name="Content Placeholder 2">
+            <a:extLst>
+              <a:ext uri="{FF2B5EF4-FFF2-40B4-BE49-F238E27FC236}">
+                <a16:creationId xmlns:a16="http://schemas.microsoft.com/office/drawing/2014/main" id="{EC95B8F8-D3CC-4E38-8E80-ED72AF548CB2}"/>
+              </a:ext>
+            </a:extLst>
+          </p:cNvPr>
+          <p:cNvSpPr>
+            <a:spLocks noGrp="1"/>
+          </p:cNvSpPr>
+          <p:nvPr>
+            <p:ph idx="1"/>
+          </p:nvPr>
+        </p:nvSpPr>
+        <p:spPr/>
+        <p:txBody>
+          <a:bodyPr/>
+          <a:lstStyle/>
+          <a:p>
+            <a:endParaRPr lang="en-US"/>
+          </a:p>
+        </p:txBody>
+      </p:sp>
+    </p:spTree>
+    <p:extLst>
+      <p:ext uri="{BB962C8B-B14F-4D97-AF65-F5344CB8AC3E}">
+        <p14:creationId xmlns:p14="http://schemas.microsoft.com/office/powerpoint/2010/main" val="904641416"/>
+      </p:ext>
+    </p:extLst>
+  </p:cSld>
+  <p:clrMapOvr>
+    <a:masterClrMapping/>
+  </p:clrMapOvr>
+</p:sld>
+</file>
+
+<file path=ppt/slides/slide9.xml><?xml version="1.0" encoding="utf-8"?>
+<p:sld xmlns:a="http://schemas.openxmlformats.org/drawingml/2006/main" xmlns:r="http://schemas.openxmlformats.org/officeDocument/2006/relationships" xmlns:p="http://schemas.openxmlformats.org/presentationml/2006/main">
+  <p:cSld>
+    <p:spTree>
+      <p:nvGrpSpPr>
+        <p:cNvPr id="1" name=""/>
+        <p:cNvGrpSpPr/>
+        <p:nvPr/>
+      </p:nvGrpSpPr>
+      <p:grpSpPr>
+        <a:xfrm>
+          <a:off x="0" y="0"/>
+          <a:ext cx="0" cy="0"/>
+          <a:chOff x="0" y="0"/>
+          <a:chExt cx="0" cy="0"/>
+        </a:xfrm>
+      </p:grpSpPr>
+      <p:sp>
+        <p:nvSpPr>
           <p:cNvPr id="2" name="Title 1"/>
           <p:cNvSpPr>
             <a:spLocks noGrp="1"/>
@@ -17234,19 +18361,7 @@
                 </a:pPr>
                 <a:r>
                   <a:rPr lang="en-US" dirty="0"/>
-                  <a:t>4</a:t>
-                </a:r>
-                <a:r>
-                  <a:rPr lang="en-US" dirty="0" smtClean="0"/>
-                  <a:t>. </a:t>
-                </a:r>
-                <a:r>
-                  <a:rPr lang="en-US" dirty="0"/>
-                  <a:t>Find the Inverse Laplace Transform </a:t>
-                </a:r>
-                <a:r>
-                  <a:rPr lang="en-US" dirty="0" smtClean="0"/>
-                  <a:t>of </a:t>
+                  <a:t>4. Find the Inverse Laplace Transform of </a:t>
                 </a:r>
                 <a14:m>
                   <m:oMath xmlns:m="http://schemas.openxmlformats.org/officeDocument/2006/math">
@@ -17333,7 +18448,7 @@
                   </m:oMath>
                 </a14:m>
                 <a:r>
-                  <a:rPr lang="en-US" dirty="0" smtClean="0"/>
+                  <a:rPr lang="en-US" dirty="0"/>
                   <a:t>  </a:t>
                 </a:r>
                 <a:endParaRPr lang="en-SG" dirty="0"/>
@@ -17402,7 +18517,7 @@
           <a:lstStyle/>
           <a:p>
             <a:r>
-              <a:rPr lang="en-SG" sz="2400" dirty="0" err="1" smtClean="0">
+              <a:rPr lang="en-SG" sz="2400" dirty="0" err="1">
                 <a:solidFill>
                   <a:srgbClr val="0070C0"/>
                 </a:solidFill>
@@ -17410,18 +18525,13 @@
               <a:t>Ans</a:t>
             </a:r>
             <a:r>
-              <a:rPr lang="en-SG" sz="2400" dirty="0" smtClean="0">
+              <a:rPr lang="en-SG" sz="2400" dirty="0">
                 <a:solidFill>
                   <a:srgbClr val="0070C0"/>
                 </a:solidFill>
               </a:rPr>
               <a:t>:</a:t>
             </a:r>
-            <a:endParaRPr lang="en-SG" sz="2400" dirty="0">
-              <a:solidFill>
-                <a:srgbClr val="0070C0"/>
-              </a:solidFill>
-            </a:endParaRPr>
           </a:p>
         </p:txBody>
       </p:sp>
@@ -17727,12 +18837,8 @@
                   </m:oMath>
                 </a14:m>
                 <a:r>
-                  <a:rPr lang="en-SG" sz="2000" dirty="0" smtClean="0"/>
-                  <a:t>=</a:t>
-                </a:r>
-                <a:r>
                   <a:rPr lang="en-SG" sz="2000" dirty="0"/>
-                  <a:t> </a:t>
+                  <a:t>= </a:t>
                 </a:r>
                 <a14:m>
                   <m:oMath xmlns:m="http://schemas.openxmlformats.org/officeDocument/2006/math">
@@ -17787,12 +18893,8 @@
                   </m:oMath>
                 </a14:m>
                 <a:r>
-                  <a:rPr lang="en-SG" sz="2000" dirty="0" smtClean="0"/>
-                  <a:t>+</a:t>
-                </a:r>
-                <a:r>
                   <a:rPr lang="en-SG" sz="2000" dirty="0"/>
-                  <a:t> </a:t>
+                  <a:t>+ </a:t>
                 </a:r>
                 <a14:m>
                   <m:oMath xmlns:m="http://schemas.openxmlformats.org/officeDocument/2006/math">
@@ -17915,7 +19017,7 @@
               <a:lstStyle/>
               <a:p>
                 <a:r>
-                  <a:rPr lang="en-SG" sz="2000" dirty="0" smtClean="0"/>
+                  <a:rPr lang="en-SG" sz="2000" dirty="0"/>
                   <a:t>Put </a:t>
                 </a:r>
                 <a14:m>
@@ -18224,7 +19326,7 @@
               <a:lstStyle/>
               <a:p>
                 <a:r>
-                  <a:rPr lang="en-SG" sz="2000" dirty="0" smtClean="0"/>
+                  <a:rPr lang="en-SG" sz="2000" dirty="0"/>
                   <a:t>Equating the co-efficient of  </a:t>
                 </a:r>
                 <a14:m>
@@ -18257,16 +19359,15 @@
                   </m:oMath>
                 </a14:m>
                 <a:r>
-                  <a:rPr lang="en-SG" sz="2000" dirty="0" smtClean="0"/>
+                  <a:rPr lang="en-SG" sz="2000" dirty="0"/>
                   <a:t> </a:t>
                 </a:r>
               </a:p>
               <a:p>
                 <a:r>
-                  <a:rPr lang="en-SG" sz="2000" dirty="0" smtClean="0"/>
+                  <a:rPr lang="en-SG" sz="2000" dirty="0"/>
                   <a:t>on both sides</a:t>
                 </a:r>
-                <a:endParaRPr lang="en-SG" sz="2000" dirty="0"/>
               </a:p>
             </p:txBody>
           </p:sp>
@@ -18645,7 +19746,7 @@
               <a:lstStyle/>
               <a:p>
                 <a:r>
-                  <a:rPr lang="en-SG" sz="2000" dirty="0" smtClean="0"/>
+                  <a:rPr lang="en-SG" sz="2000" dirty="0"/>
                   <a:t>Put </a:t>
                 </a:r>
                 <a14:m>
@@ -22752,1153 +23853,6 @@
 </p:sld>
 </file>
 
-<file path=ppt/slides/slide9.xml><?xml version="1.0" encoding="utf-8"?>
-<p:sld xmlns:a="http://schemas.openxmlformats.org/drawingml/2006/main" xmlns:r="http://schemas.openxmlformats.org/officeDocument/2006/relationships" xmlns:p="http://schemas.openxmlformats.org/presentationml/2006/main">
-  <p:cSld>
-    <p:spTree>
-      <p:nvGrpSpPr>
-        <p:cNvPr id="1" name=""/>
-        <p:cNvGrpSpPr/>
-        <p:nvPr/>
-      </p:nvGrpSpPr>
-      <p:grpSpPr>
-        <a:xfrm>
-          <a:off x="0" y="0"/>
-          <a:ext cx="0" cy="0"/>
-          <a:chOff x="0" y="0"/>
-          <a:chExt cx="0" cy="0"/>
-        </a:xfrm>
-      </p:grpSpPr>
-      <p:sp>
-        <p:nvSpPr>
-          <p:cNvPr id="2" name="Title 1"/>
-          <p:cNvSpPr>
-            <a:spLocks noGrp="1"/>
-          </p:cNvSpPr>
-          <p:nvPr>
-            <p:ph type="title"/>
-          </p:nvPr>
-        </p:nvSpPr>
-        <p:spPr>
-          <a:xfrm>
-            <a:off x="0" y="0"/>
-            <a:ext cx="10515600" cy="663575"/>
-          </a:xfrm>
-        </p:spPr>
-        <p:txBody>
-          <a:bodyPr>
-            <a:normAutofit fontScale="90000"/>
-          </a:bodyPr>
-          <a:lstStyle/>
-          <a:p>
-            <a:r>
-              <a:rPr lang="en-SG" b="1" dirty="0" smtClean="0">
-                <a:solidFill>
-                  <a:srgbClr val="C00000"/>
-                </a:solidFill>
-              </a:rPr>
-              <a:t>Problems for homework</a:t>
-            </a:r>
-            <a:endParaRPr lang="en-SG" b="1" dirty="0">
-              <a:solidFill>
-                <a:srgbClr val="C00000"/>
-              </a:solidFill>
-            </a:endParaRPr>
-          </a:p>
-        </p:txBody>
-      </p:sp>
-      <p:sp>
-        <p:nvSpPr>
-          <p:cNvPr id="3" name="Content Placeholder 2"/>
-          <p:cNvSpPr>
-            <a:spLocks noGrp="1"/>
-          </p:cNvSpPr>
-          <p:nvPr>
-            <p:ph idx="1"/>
-          </p:nvPr>
-        </p:nvSpPr>
-        <p:spPr>
-          <a:xfrm>
-            <a:off x="95250" y="825500"/>
-            <a:ext cx="10515600" cy="498475"/>
-          </a:xfrm>
-        </p:spPr>
-        <p:txBody>
-          <a:bodyPr/>
-          <a:lstStyle/>
-          <a:p>
-            <a:pPr marL="0" indent="0">
-              <a:buNone/>
-            </a:pPr>
-            <a:r>
-              <a:rPr lang="en-SG" dirty="0" smtClean="0"/>
-              <a:t>Find the Inverse Laplace Transform for the following</a:t>
-            </a:r>
-            <a:endParaRPr lang="en-SG" dirty="0"/>
-          </a:p>
-        </p:txBody>
-      </p:sp>
-      <p:pic>
-        <p:nvPicPr>
-          <p:cNvPr id="4" name="Picture 3"/>
-          <p:cNvPicPr>
-            <a:picLocks noChangeAspect="1"/>
-          </p:cNvPicPr>
-          <p:nvPr/>
-        </p:nvPicPr>
-        <p:blipFill>
-          <a:blip r:embed="rId2"/>
-          <a:stretch>
-            <a:fillRect/>
-          </a:stretch>
-        </p:blipFill>
-        <p:spPr>
-          <a:xfrm>
-            <a:off x="1068667" y="1891278"/>
-            <a:ext cx="1531005" cy="918950"/>
-          </a:xfrm>
-          <a:prstGeom prst="rect">
-            <a:avLst/>
-          </a:prstGeom>
-        </p:spPr>
-      </p:pic>
-      <p:pic>
-        <p:nvPicPr>
-          <p:cNvPr id="5" name="Picture 4"/>
-          <p:cNvPicPr>
-            <a:picLocks noChangeAspect="1"/>
-          </p:cNvPicPr>
-          <p:nvPr/>
-        </p:nvPicPr>
-        <p:blipFill>
-          <a:blip r:embed="rId3"/>
-          <a:stretch>
-            <a:fillRect/>
-          </a:stretch>
-        </p:blipFill>
-        <p:spPr>
-          <a:xfrm>
-            <a:off x="1217958" y="3405806"/>
-            <a:ext cx="1232421" cy="1008184"/>
-          </a:xfrm>
-          <a:prstGeom prst="rect">
-            <a:avLst/>
-          </a:prstGeom>
-        </p:spPr>
-      </p:pic>
-      <p:pic>
-        <p:nvPicPr>
-          <p:cNvPr id="6" name="Picture 5"/>
-          <p:cNvPicPr>
-            <a:picLocks noChangeAspect="1"/>
-          </p:cNvPicPr>
-          <p:nvPr/>
-        </p:nvPicPr>
-        <p:blipFill>
-          <a:blip r:embed="rId4"/>
-          <a:stretch>
-            <a:fillRect/>
-          </a:stretch>
-        </p:blipFill>
-        <p:spPr>
-          <a:xfrm>
-            <a:off x="1016886" y="5289983"/>
-            <a:ext cx="1810921" cy="844117"/>
-          </a:xfrm>
-          <a:prstGeom prst="rect">
-            <a:avLst/>
-          </a:prstGeom>
-        </p:spPr>
-      </p:pic>
-      <p:pic>
-        <p:nvPicPr>
-          <p:cNvPr id="7" name="Picture 6"/>
-          <p:cNvPicPr>
-            <a:picLocks noChangeAspect="1"/>
-          </p:cNvPicPr>
-          <p:nvPr/>
-        </p:nvPicPr>
-        <p:blipFill>
-          <a:blip r:embed="rId5"/>
-          <a:stretch>
-            <a:fillRect/>
-          </a:stretch>
-        </p:blipFill>
-        <p:spPr>
-          <a:xfrm>
-            <a:off x="5353050" y="1891278"/>
-            <a:ext cx="1438314" cy="950342"/>
-          </a:xfrm>
-          <a:prstGeom prst="rect">
-            <a:avLst/>
-          </a:prstGeom>
-        </p:spPr>
-      </p:pic>
-      <p:pic>
-        <p:nvPicPr>
-          <p:cNvPr id="8" name="Picture 7"/>
-          <p:cNvPicPr>
-            <a:picLocks noChangeAspect="1"/>
-          </p:cNvPicPr>
-          <p:nvPr/>
-        </p:nvPicPr>
-        <p:blipFill>
-          <a:blip r:embed="rId6"/>
-          <a:stretch>
-            <a:fillRect/>
-          </a:stretch>
-        </p:blipFill>
-        <p:spPr>
-          <a:xfrm>
-            <a:off x="5039858" y="3426748"/>
-            <a:ext cx="1819463" cy="814175"/>
-          </a:xfrm>
-          <a:prstGeom prst="rect">
-            <a:avLst/>
-          </a:prstGeom>
-        </p:spPr>
-      </p:pic>
-      <p:pic>
-        <p:nvPicPr>
-          <p:cNvPr id="9" name="Picture 8"/>
-          <p:cNvPicPr>
-            <a:picLocks noChangeAspect="1"/>
-          </p:cNvPicPr>
-          <p:nvPr/>
-        </p:nvPicPr>
-        <p:blipFill>
-          <a:blip r:embed="rId7"/>
-          <a:stretch>
-            <a:fillRect/>
-          </a:stretch>
-        </p:blipFill>
-        <p:spPr>
-          <a:xfrm>
-            <a:off x="4710687" y="4785158"/>
-            <a:ext cx="2287306" cy="1009650"/>
-          </a:xfrm>
-          <a:prstGeom prst="rect">
-            <a:avLst/>
-          </a:prstGeom>
-        </p:spPr>
-      </p:pic>
-      <p:pic>
-        <p:nvPicPr>
-          <p:cNvPr id="10" name="Picture 9"/>
-          <p:cNvPicPr>
-            <a:picLocks noChangeAspect="1"/>
-          </p:cNvPicPr>
-          <p:nvPr/>
-        </p:nvPicPr>
-        <p:blipFill>
-          <a:blip r:embed="rId8"/>
-          <a:stretch>
-            <a:fillRect/>
-          </a:stretch>
-        </p:blipFill>
-        <p:spPr>
-          <a:xfrm>
-            <a:off x="9145543" y="2324978"/>
-            <a:ext cx="1602170" cy="980949"/>
-          </a:xfrm>
-          <a:prstGeom prst="rect">
-            <a:avLst/>
-          </a:prstGeom>
-        </p:spPr>
-      </p:pic>
-      <p:pic>
-        <p:nvPicPr>
-          <p:cNvPr id="11" name="Picture 10"/>
-          <p:cNvPicPr>
-            <a:picLocks noChangeAspect="1"/>
-          </p:cNvPicPr>
-          <p:nvPr/>
-        </p:nvPicPr>
-        <p:blipFill>
-          <a:blip r:embed="rId9"/>
-          <a:stretch>
-            <a:fillRect/>
-          </a:stretch>
-        </p:blipFill>
-        <p:spPr>
-          <a:xfrm>
-            <a:off x="8791575" y="3993292"/>
-            <a:ext cx="2472221" cy="991425"/>
-          </a:xfrm>
-          <a:prstGeom prst="rect">
-            <a:avLst/>
-          </a:prstGeom>
-        </p:spPr>
-      </p:pic>
-      <p:sp>
-        <p:nvSpPr>
-          <p:cNvPr id="12" name="TextBox 11"/>
-          <p:cNvSpPr txBox="1"/>
-          <p:nvPr/>
-        </p:nvSpPr>
-        <p:spPr>
-          <a:xfrm>
-            <a:off x="314325" y="2028825"/>
-            <a:ext cx="438150" cy="369332"/>
-          </a:xfrm>
-          <a:prstGeom prst="rect">
-            <a:avLst/>
-          </a:prstGeom>
-          <a:noFill/>
-        </p:spPr>
-        <p:txBody>
-          <a:bodyPr wrap="square" rtlCol="0">
-            <a:spAutoFit/>
-          </a:bodyPr>
-          <a:lstStyle/>
-          <a:p>
-            <a:r>
-              <a:rPr lang="en-SG" dirty="0" smtClean="0"/>
-              <a:t>1.</a:t>
-            </a:r>
-            <a:endParaRPr lang="en-SG" dirty="0"/>
-          </a:p>
-        </p:txBody>
-      </p:sp>
-      <p:sp>
-        <p:nvSpPr>
-          <p:cNvPr id="13" name="TextBox 12"/>
-          <p:cNvSpPr txBox="1"/>
-          <p:nvPr/>
-        </p:nvSpPr>
-        <p:spPr>
-          <a:xfrm>
-            <a:off x="314325" y="3540566"/>
-            <a:ext cx="438150" cy="369332"/>
-          </a:xfrm>
-          <a:prstGeom prst="rect">
-            <a:avLst/>
-          </a:prstGeom>
-          <a:noFill/>
-        </p:spPr>
-        <p:txBody>
-          <a:bodyPr wrap="square" rtlCol="0">
-            <a:spAutoFit/>
-          </a:bodyPr>
-          <a:lstStyle/>
-          <a:p>
-            <a:r>
-              <a:rPr lang="en-SG" dirty="0" smtClean="0"/>
-              <a:t>2.</a:t>
-            </a:r>
-            <a:endParaRPr lang="en-SG" dirty="0"/>
-          </a:p>
-        </p:txBody>
-      </p:sp>
-      <p:sp>
-        <p:nvSpPr>
-          <p:cNvPr id="14" name="TextBox 13"/>
-          <p:cNvSpPr txBox="1"/>
-          <p:nvPr/>
-        </p:nvSpPr>
-        <p:spPr>
-          <a:xfrm>
-            <a:off x="314325" y="5342709"/>
-            <a:ext cx="438150" cy="369332"/>
-          </a:xfrm>
-          <a:prstGeom prst="rect">
-            <a:avLst/>
-          </a:prstGeom>
-          <a:noFill/>
-        </p:spPr>
-        <p:txBody>
-          <a:bodyPr wrap="square" rtlCol="0">
-            <a:spAutoFit/>
-          </a:bodyPr>
-          <a:lstStyle/>
-          <a:p>
-            <a:r>
-              <a:rPr lang="en-SG" dirty="0" smtClean="0"/>
-              <a:t>3.</a:t>
-            </a:r>
-            <a:endParaRPr lang="en-SG" dirty="0"/>
-          </a:p>
-        </p:txBody>
-      </p:sp>
-      <p:sp>
-        <p:nvSpPr>
-          <p:cNvPr id="15" name="TextBox 14"/>
-          <p:cNvSpPr txBox="1"/>
-          <p:nvPr/>
-        </p:nvSpPr>
-        <p:spPr>
-          <a:xfrm>
-            <a:off x="3956886" y="2104635"/>
-            <a:ext cx="438150" cy="369332"/>
-          </a:xfrm>
-          <a:prstGeom prst="rect">
-            <a:avLst/>
-          </a:prstGeom>
-          <a:noFill/>
-        </p:spPr>
-        <p:txBody>
-          <a:bodyPr wrap="square" rtlCol="0">
-            <a:spAutoFit/>
-          </a:bodyPr>
-          <a:lstStyle/>
-          <a:p>
-            <a:r>
-              <a:rPr lang="en-SG" dirty="0" smtClean="0"/>
-              <a:t>4.</a:t>
-            </a:r>
-            <a:endParaRPr lang="en-SG" dirty="0"/>
-          </a:p>
-        </p:txBody>
-      </p:sp>
-      <p:sp>
-        <p:nvSpPr>
-          <p:cNvPr id="16" name="TextBox 15"/>
-          <p:cNvSpPr txBox="1"/>
-          <p:nvPr/>
-        </p:nvSpPr>
-        <p:spPr>
-          <a:xfrm>
-            <a:off x="3956886" y="3649169"/>
-            <a:ext cx="438150" cy="369332"/>
-          </a:xfrm>
-          <a:prstGeom prst="rect">
-            <a:avLst/>
-          </a:prstGeom>
-          <a:noFill/>
-        </p:spPr>
-        <p:txBody>
-          <a:bodyPr wrap="square" rtlCol="0">
-            <a:spAutoFit/>
-          </a:bodyPr>
-          <a:lstStyle/>
-          <a:p>
-            <a:r>
-              <a:rPr lang="en-SG" dirty="0" smtClean="0"/>
-              <a:t>5.</a:t>
-            </a:r>
-            <a:endParaRPr lang="en-SG" dirty="0"/>
-          </a:p>
-        </p:txBody>
-      </p:sp>
-      <p:sp>
-        <p:nvSpPr>
-          <p:cNvPr id="17" name="TextBox 16"/>
-          <p:cNvSpPr txBox="1"/>
-          <p:nvPr/>
-        </p:nvSpPr>
-        <p:spPr>
-          <a:xfrm>
-            <a:off x="3956886" y="5009037"/>
-            <a:ext cx="438150" cy="369332"/>
-          </a:xfrm>
-          <a:prstGeom prst="rect">
-            <a:avLst/>
-          </a:prstGeom>
-          <a:noFill/>
-        </p:spPr>
-        <p:txBody>
-          <a:bodyPr wrap="square" rtlCol="0">
-            <a:spAutoFit/>
-          </a:bodyPr>
-          <a:lstStyle/>
-          <a:p>
-            <a:r>
-              <a:rPr lang="en-SG" dirty="0" smtClean="0"/>
-              <a:t>6.</a:t>
-            </a:r>
-            <a:endParaRPr lang="en-SG" dirty="0"/>
-          </a:p>
-        </p:txBody>
-      </p:sp>
-      <p:sp>
-        <p:nvSpPr>
-          <p:cNvPr id="18" name="TextBox 17"/>
-          <p:cNvSpPr txBox="1"/>
-          <p:nvPr/>
-        </p:nvSpPr>
-        <p:spPr>
-          <a:xfrm>
-            <a:off x="8109786" y="2656954"/>
-            <a:ext cx="438150" cy="369332"/>
-          </a:xfrm>
-          <a:prstGeom prst="rect">
-            <a:avLst/>
-          </a:prstGeom>
-          <a:noFill/>
-        </p:spPr>
-        <p:txBody>
-          <a:bodyPr wrap="square" rtlCol="0">
-            <a:spAutoFit/>
-          </a:bodyPr>
-          <a:lstStyle/>
-          <a:p>
-            <a:r>
-              <a:rPr lang="en-SG" dirty="0" smtClean="0"/>
-              <a:t>7.</a:t>
-            </a:r>
-            <a:endParaRPr lang="en-SG" dirty="0"/>
-          </a:p>
-        </p:txBody>
-      </p:sp>
-      <p:sp>
-        <p:nvSpPr>
-          <p:cNvPr id="19" name="TextBox 18"/>
-          <p:cNvSpPr txBox="1"/>
-          <p:nvPr/>
-        </p:nvSpPr>
-        <p:spPr>
-          <a:xfrm>
-            <a:off x="8109786" y="4304338"/>
-            <a:ext cx="438150" cy="369332"/>
-          </a:xfrm>
-          <a:prstGeom prst="rect">
-            <a:avLst/>
-          </a:prstGeom>
-          <a:noFill/>
-        </p:spPr>
-        <p:txBody>
-          <a:bodyPr wrap="square" rtlCol="0">
-            <a:spAutoFit/>
-          </a:bodyPr>
-          <a:lstStyle/>
-          <a:p>
-            <a:r>
-              <a:rPr lang="en-SG" dirty="0" smtClean="0"/>
-              <a:t>8.</a:t>
-            </a:r>
-            <a:endParaRPr lang="en-SG" dirty="0"/>
-          </a:p>
-        </p:txBody>
-      </p:sp>
-    </p:spTree>
-    <p:extLst>
-      <p:ext uri="{BB962C8B-B14F-4D97-AF65-F5344CB8AC3E}">
-        <p14:creationId xmlns:p14="http://schemas.microsoft.com/office/powerpoint/2010/main" val="3481401760"/>
-      </p:ext>
-    </p:extLst>
-  </p:cSld>
-  <p:clrMapOvr>
-    <a:masterClrMapping/>
-  </p:clrMapOvr>
-  <p:timing>
-    <p:tnLst>
-      <p:par>
-        <p:cTn id="1" dur="indefinite" restart="never" nodeType="tmRoot">
-          <p:childTnLst>
-            <p:seq concurrent="1" nextAc="seek">
-              <p:cTn id="2" dur="indefinite" nodeType="mainSeq">
-                <p:childTnLst>
-                  <p:par>
-                    <p:cTn id="3" fill="hold">
-                      <p:stCondLst>
-                        <p:cond delay="indefinite"/>
-                      </p:stCondLst>
-                      <p:childTnLst>
-                        <p:par>
-                          <p:cTn id="4" fill="hold">
-                            <p:stCondLst>
-                              <p:cond delay="0"/>
-                            </p:stCondLst>
-                            <p:childTnLst>
-                              <p:par>
-                                <p:cTn id="5" presetID="1" presetClass="entr" presetSubtype="0" fill="hold" grpId="0" nodeType="clickEffect">
-                                  <p:stCondLst>
-                                    <p:cond delay="0"/>
-                                  </p:stCondLst>
-                                  <p:childTnLst>
-                                    <p:set>
-                                      <p:cBhvr>
-                                        <p:cTn id="6" dur="1" fill="hold">
-                                          <p:stCondLst>
-                                            <p:cond delay="0"/>
-                                          </p:stCondLst>
-                                        </p:cTn>
-                                        <p:tgtEl>
-                                          <p:spTgt spid="12"/>
-                                        </p:tgtEl>
-                                        <p:attrNameLst>
-                                          <p:attrName>style.visibility</p:attrName>
-                                        </p:attrNameLst>
-                                      </p:cBhvr>
-                                      <p:to>
-                                        <p:strVal val="visible"/>
-                                      </p:to>
-                                    </p:set>
-                                  </p:childTnLst>
-                                </p:cTn>
-                              </p:par>
-                              <p:par>
-                                <p:cTn id="7" presetID="1" presetClass="entr" presetSubtype="0" fill="hold" nodeType="withEffect">
-                                  <p:stCondLst>
-                                    <p:cond delay="0"/>
-                                  </p:stCondLst>
-                                  <p:childTnLst>
-                                    <p:set>
-                                      <p:cBhvr>
-                                        <p:cTn id="8" dur="1" fill="hold">
-                                          <p:stCondLst>
-                                            <p:cond delay="0"/>
-                                          </p:stCondLst>
-                                        </p:cTn>
-                                        <p:tgtEl>
-                                          <p:spTgt spid="4"/>
-                                        </p:tgtEl>
-                                        <p:attrNameLst>
-                                          <p:attrName>style.visibility</p:attrName>
-                                        </p:attrNameLst>
-                                      </p:cBhvr>
-                                      <p:to>
-                                        <p:strVal val="visible"/>
-                                      </p:to>
-                                    </p:set>
-                                  </p:childTnLst>
-                                </p:cTn>
-                              </p:par>
-                            </p:childTnLst>
-                          </p:cTn>
-                        </p:par>
-                      </p:childTnLst>
-                    </p:cTn>
-                  </p:par>
-                  <p:par>
-                    <p:cTn id="9" fill="hold">
-                      <p:stCondLst>
-                        <p:cond delay="indefinite"/>
-                      </p:stCondLst>
-                      <p:childTnLst>
-                        <p:par>
-                          <p:cTn id="10" fill="hold">
-                            <p:stCondLst>
-                              <p:cond delay="0"/>
-                            </p:stCondLst>
-                            <p:childTnLst>
-                              <p:par>
-                                <p:cTn id="11" presetID="1" presetClass="entr" presetSubtype="0" fill="hold" grpId="0" nodeType="clickEffect">
-                                  <p:stCondLst>
-                                    <p:cond delay="0"/>
-                                  </p:stCondLst>
-                                  <p:childTnLst>
-                                    <p:set>
-                                      <p:cBhvr>
-                                        <p:cTn id="12" dur="1" fill="hold">
-                                          <p:stCondLst>
-                                            <p:cond delay="0"/>
-                                          </p:stCondLst>
-                                        </p:cTn>
-                                        <p:tgtEl>
-                                          <p:spTgt spid="13"/>
-                                        </p:tgtEl>
-                                        <p:attrNameLst>
-                                          <p:attrName>style.visibility</p:attrName>
-                                        </p:attrNameLst>
-                                      </p:cBhvr>
-                                      <p:to>
-                                        <p:strVal val="visible"/>
-                                      </p:to>
-                                    </p:set>
-                                  </p:childTnLst>
-                                </p:cTn>
-                              </p:par>
-                              <p:par>
-                                <p:cTn id="13" presetID="1" presetClass="entr" presetSubtype="0" fill="hold" nodeType="withEffect">
-                                  <p:stCondLst>
-                                    <p:cond delay="0"/>
-                                  </p:stCondLst>
-                                  <p:childTnLst>
-                                    <p:set>
-                                      <p:cBhvr>
-                                        <p:cTn id="14" dur="1" fill="hold">
-                                          <p:stCondLst>
-                                            <p:cond delay="0"/>
-                                          </p:stCondLst>
-                                        </p:cTn>
-                                        <p:tgtEl>
-                                          <p:spTgt spid="5"/>
-                                        </p:tgtEl>
-                                        <p:attrNameLst>
-                                          <p:attrName>style.visibility</p:attrName>
-                                        </p:attrNameLst>
-                                      </p:cBhvr>
-                                      <p:to>
-                                        <p:strVal val="visible"/>
-                                      </p:to>
-                                    </p:set>
-                                  </p:childTnLst>
-                                </p:cTn>
-                              </p:par>
-                            </p:childTnLst>
-                          </p:cTn>
-                        </p:par>
-                      </p:childTnLst>
-                    </p:cTn>
-                  </p:par>
-                  <p:par>
-                    <p:cTn id="15" fill="hold">
-                      <p:stCondLst>
-                        <p:cond delay="indefinite"/>
-                      </p:stCondLst>
-                      <p:childTnLst>
-                        <p:par>
-                          <p:cTn id="16" fill="hold">
-                            <p:stCondLst>
-                              <p:cond delay="0"/>
-                            </p:stCondLst>
-                            <p:childTnLst>
-                              <p:par>
-                                <p:cTn id="17" presetID="1" presetClass="entr" presetSubtype="0" fill="hold" grpId="0" nodeType="clickEffect">
-                                  <p:stCondLst>
-                                    <p:cond delay="0"/>
-                                  </p:stCondLst>
-                                  <p:childTnLst>
-                                    <p:set>
-                                      <p:cBhvr>
-                                        <p:cTn id="18" dur="1" fill="hold">
-                                          <p:stCondLst>
-                                            <p:cond delay="0"/>
-                                          </p:stCondLst>
-                                        </p:cTn>
-                                        <p:tgtEl>
-                                          <p:spTgt spid="14"/>
-                                        </p:tgtEl>
-                                        <p:attrNameLst>
-                                          <p:attrName>style.visibility</p:attrName>
-                                        </p:attrNameLst>
-                                      </p:cBhvr>
-                                      <p:to>
-                                        <p:strVal val="visible"/>
-                                      </p:to>
-                                    </p:set>
-                                  </p:childTnLst>
-                                </p:cTn>
-                              </p:par>
-                              <p:par>
-                                <p:cTn id="19" presetID="1" presetClass="entr" presetSubtype="0" fill="hold" nodeType="withEffect">
-                                  <p:stCondLst>
-                                    <p:cond delay="0"/>
-                                  </p:stCondLst>
-                                  <p:childTnLst>
-                                    <p:set>
-                                      <p:cBhvr>
-                                        <p:cTn id="20" dur="1" fill="hold">
-                                          <p:stCondLst>
-                                            <p:cond delay="0"/>
-                                          </p:stCondLst>
-                                        </p:cTn>
-                                        <p:tgtEl>
-                                          <p:spTgt spid="6"/>
-                                        </p:tgtEl>
-                                        <p:attrNameLst>
-                                          <p:attrName>style.visibility</p:attrName>
-                                        </p:attrNameLst>
-                                      </p:cBhvr>
-                                      <p:to>
-                                        <p:strVal val="visible"/>
-                                      </p:to>
-                                    </p:set>
-                                  </p:childTnLst>
-                                </p:cTn>
-                              </p:par>
-                            </p:childTnLst>
-                          </p:cTn>
-                        </p:par>
-                      </p:childTnLst>
-                    </p:cTn>
-                  </p:par>
-                  <p:par>
-                    <p:cTn id="21" fill="hold">
-                      <p:stCondLst>
-                        <p:cond delay="indefinite"/>
-                      </p:stCondLst>
-                      <p:childTnLst>
-                        <p:par>
-                          <p:cTn id="22" fill="hold">
-                            <p:stCondLst>
-                              <p:cond delay="0"/>
-                            </p:stCondLst>
-                            <p:childTnLst>
-                              <p:par>
-                                <p:cTn id="23" presetID="1" presetClass="entr" presetSubtype="0" fill="hold" grpId="0" nodeType="clickEffect">
-                                  <p:stCondLst>
-                                    <p:cond delay="0"/>
-                                  </p:stCondLst>
-                                  <p:childTnLst>
-                                    <p:set>
-                                      <p:cBhvr>
-                                        <p:cTn id="24" dur="1" fill="hold">
-                                          <p:stCondLst>
-                                            <p:cond delay="0"/>
-                                          </p:stCondLst>
-                                        </p:cTn>
-                                        <p:tgtEl>
-                                          <p:spTgt spid="15"/>
-                                        </p:tgtEl>
-                                        <p:attrNameLst>
-                                          <p:attrName>style.visibility</p:attrName>
-                                        </p:attrNameLst>
-                                      </p:cBhvr>
-                                      <p:to>
-                                        <p:strVal val="visible"/>
-                                      </p:to>
-                                    </p:set>
-                                  </p:childTnLst>
-                                </p:cTn>
-                              </p:par>
-                              <p:par>
-                                <p:cTn id="25" presetID="1" presetClass="entr" presetSubtype="0" fill="hold" nodeType="withEffect">
-                                  <p:stCondLst>
-                                    <p:cond delay="0"/>
-                                  </p:stCondLst>
-                                  <p:childTnLst>
-                                    <p:set>
-                                      <p:cBhvr>
-                                        <p:cTn id="26" dur="1" fill="hold">
-                                          <p:stCondLst>
-                                            <p:cond delay="0"/>
-                                          </p:stCondLst>
-                                        </p:cTn>
-                                        <p:tgtEl>
-                                          <p:spTgt spid="7"/>
-                                        </p:tgtEl>
-                                        <p:attrNameLst>
-                                          <p:attrName>style.visibility</p:attrName>
-                                        </p:attrNameLst>
-                                      </p:cBhvr>
-                                      <p:to>
-                                        <p:strVal val="visible"/>
-                                      </p:to>
-                                    </p:set>
-                                  </p:childTnLst>
-                                </p:cTn>
-                              </p:par>
-                            </p:childTnLst>
-                          </p:cTn>
-                        </p:par>
-                      </p:childTnLst>
-                    </p:cTn>
-                  </p:par>
-                  <p:par>
-                    <p:cTn id="27" fill="hold">
-                      <p:stCondLst>
-                        <p:cond delay="indefinite"/>
-                      </p:stCondLst>
-                      <p:childTnLst>
-                        <p:par>
-                          <p:cTn id="28" fill="hold">
-                            <p:stCondLst>
-                              <p:cond delay="0"/>
-                            </p:stCondLst>
-                            <p:childTnLst>
-                              <p:par>
-                                <p:cTn id="29" presetID="1" presetClass="entr" presetSubtype="0" fill="hold" grpId="0" nodeType="clickEffect">
-                                  <p:stCondLst>
-                                    <p:cond delay="0"/>
-                                  </p:stCondLst>
-                                  <p:childTnLst>
-                                    <p:set>
-                                      <p:cBhvr>
-                                        <p:cTn id="30" dur="1" fill="hold">
-                                          <p:stCondLst>
-                                            <p:cond delay="0"/>
-                                          </p:stCondLst>
-                                        </p:cTn>
-                                        <p:tgtEl>
-                                          <p:spTgt spid="16"/>
-                                        </p:tgtEl>
-                                        <p:attrNameLst>
-                                          <p:attrName>style.visibility</p:attrName>
-                                        </p:attrNameLst>
-                                      </p:cBhvr>
-                                      <p:to>
-                                        <p:strVal val="visible"/>
-                                      </p:to>
-                                    </p:set>
-                                  </p:childTnLst>
-                                </p:cTn>
-                              </p:par>
-                              <p:par>
-                                <p:cTn id="31" presetID="1" presetClass="entr" presetSubtype="0" fill="hold" nodeType="withEffect">
-                                  <p:stCondLst>
-                                    <p:cond delay="0"/>
-                                  </p:stCondLst>
-                                  <p:childTnLst>
-                                    <p:set>
-                                      <p:cBhvr>
-                                        <p:cTn id="32" dur="1" fill="hold">
-                                          <p:stCondLst>
-                                            <p:cond delay="0"/>
-                                          </p:stCondLst>
-                                        </p:cTn>
-                                        <p:tgtEl>
-                                          <p:spTgt spid="8"/>
-                                        </p:tgtEl>
-                                        <p:attrNameLst>
-                                          <p:attrName>style.visibility</p:attrName>
-                                        </p:attrNameLst>
-                                      </p:cBhvr>
-                                      <p:to>
-                                        <p:strVal val="visible"/>
-                                      </p:to>
-                                    </p:set>
-                                  </p:childTnLst>
-                                </p:cTn>
-                              </p:par>
-                            </p:childTnLst>
-                          </p:cTn>
-                        </p:par>
-                      </p:childTnLst>
-                    </p:cTn>
-                  </p:par>
-                  <p:par>
-                    <p:cTn id="33" fill="hold">
-                      <p:stCondLst>
-                        <p:cond delay="indefinite"/>
-                      </p:stCondLst>
-                      <p:childTnLst>
-                        <p:par>
-                          <p:cTn id="34" fill="hold">
-                            <p:stCondLst>
-                              <p:cond delay="0"/>
-                            </p:stCondLst>
-                            <p:childTnLst>
-                              <p:par>
-                                <p:cTn id="35" presetID="1" presetClass="entr" presetSubtype="0" fill="hold" grpId="0" nodeType="clickEffect">
-                                  <p:stCondLst>
-                                    <p:cond delay="0"/>
-                                  </p:stCondLst>
-                                  <p:childTnLst>
-                                    <p:set>
-                                      <p:cBhvr>
-                                        <p:cTn id="36" dur="1" fill="hold">
-                                          <p:stCondLst>
-                                            <p:cond delay="0"/>
-                                          </p:stCondLst>
-                                        </p:cTn>
-                                        <p:tgtEl>
-                                          <p:spTgt spid="17"/>
-                                        </p:tgtEl>
-                                        <p:attrNameLst>
-                                          <p:attrName>style.visibility</p:attrName>
-                                        </p:attrNameLst>
-                                      </p:cBhvr>
-                                      <p:to>
-                                        <p:strVal val="visible"/>
-                                      </p:to>
-                                    </p:set>
-                                  </p:childTnLst>
-                                </p:cTn>
-                              </p:par>
-                              <p:par>
-                                <p:cTn id="37" presetID="1" presetClass="entr" presetSubtype="0" fill="hold" nodeType="withEffect">
-                                  <p:stCondLst>
-                                    <p:cond delay="0"/>
-                                  </p:stCondLst>
-                                  <p:childTnLst>
-                                    <p:set>
-                                      <p:cBhvr>
-                                        <p:cTn id="38" dur="1" fill="hold">
-                                          <p:stCondLst>
-                                            <p:cond delay="0"/>
-                                          </p:stCondLst>
-                                        </p:cTn>
-                                        <p:tgtEl>
-                                          <p:spTgt spid="9"/>
-                                        </p:tgtEl>
-                                        <p:attrNameLst>
-                                          <p:attrName>style.visibility</p:attrName>
-                                        </p:attrNameLst>
-                                      </p:cBhvr>
-                                      <p:to>
-                                        <p:strVal val="visible"/>
-                                      </p:to>
-                                    </p:set>
-                                  </p:childTnLst>
-                                </p:cTn>
-                              </p:par>
-                            </p:childTnLst>
-                          </p:cTn>
-                        </p:par>
-                      </p:childTnLst>
-                    </p:cTn>
-                  </p:par>
-                  <p:par>
-                    <p:cTn id="39" fill="hold">
-                      <p:stCondLst>
-                        <p:cond delay="indefinite"/>
-                      </p:stCondLst>
-                      <p:childTnLst>
-                        <p:par>
-                          <p:cTn id="40" fill="hold">
-                            <p:stCondLst>
-                              <p:cond delay="0"/>
-                            </p:stCondLst>
-                            <p:childTnLst>
-                              <p:par>
-                                <p:cTn id="41" presetID="1" presetClass="entr" presetSubtype="0" fill="hold" grpId="0" nodeType="clickEffect">
-                                  <p:stCondLst>
-                                    <p:cond delay="0"/>
-                                  </p:stCondLst>
-                                  <p:childTnLst>
-                                    <p:set>
-                                      <p:cBhvr>
-                                        <p:cTn id="42" dur="1" fill="hold">
-                                          <p:stCondLst>
-                                            <p:cond delay="0"/>
-                                          </p:stCondLst>
-                                        </p:cTn>
-                                        <p:tgtEl>
-                                          <p:spTgt spid="18"/>
-                                        </p:tgtEl>
-                                        <p:attrNameLst>
-                                          <p:attrName>style.visibility</p:attrName>
-                                        </p:attrNameLst>
-                                      </p:cBhvr>
-                                      <p:to>
-                                        <p:strVal val="visible"/>
-                                      </p:to>
-                                    </p:set>
-                                  </p:childTnLst>
-                                </p:cTn>
-                              </p:par>
-                              <p:par>
-                                <p:cTn id="43" presetID="1" presetClass="entr" presetSubtype="0" fill="hold" nodeType="withEffect">
-                                  <p:stCondLst>
-                                    <p:cond delay="0"/>
-                                  </p:stCondLst>
-                                  <p:childTnLst>
-                                    <p:set>
-                                      <p:cBhvr>
-                                        <p:cTn id="44" dur="1" fill="hold">
-                                          <p:stCondLst>
-                                            <p:cond delay="0"/>
-                                          </p:stCondLst>
-                                        </p:cTn>
-                                        <p:tgtEl>
-                                          <p:spTgt spid="10"/>
-                                        </p:tgtEl>
-                                        <p:attrNameLst>
-                                          <p:attrName>style.visibility</p:attrName>
-                                        </p:attrNameLst>
-                                      </p:cBhvr>
-                                      <p:to>
-                                        <p:strVal val="visible"/>
-                                      </p:to>
-                                    </p:set>
-                                  </p:childTnLst>
-                                </p:cTn>
-                              </p:par>
-                            </p:childTnLst>
-                          </p:cTn>
-                        </p:par>
-                      </p:childTnLst>
-                    </p:cTn>
-                  </p:par>
-                  <p:par>
-                    <p:cTn id="45" fill="hold">
-                      <p:stCondLst>
-                        <p:cond delay="indefinite"/>
-                      </p:stCondLst>
-                      <p:childTnLst>
-                        <p:par>
-                          <p:cTn id="46" fill="hold">
-                            <p:stCondLst>
-                              <p:cond delay="0"/>
-                            </p:stCondLst>
-                            <p:childTnLst>
-                              <p:par>
-                                <p:cTn id="47" presetID="1" presetClass="entr" presetSubtype="0" fill="hold" grpId="0" nodeType="clickEffect">
-                                  <p:stCondLst>
-                                    <p:cond delay="0"/>
-                                  </p:stCondLst>
-                                  <p:childTnLst>
-                                    <p:set>
-                                      <p:cBhvr>
-                                        <p:cTn id="48" dur="1" fill="hold">
-                                          <p:stCondLst>
-                                            <p:cond delay="0"/>
-                                          </p:stCondLst>
-                                        </p:cTn>
-                                        <p:tgtEl>
-                                          <p:spTgt spid="19"/>
-                                        </p:tgtEl>
-                                        <p:attrNameLst>
-                                          <p:attrName>style.visibility</p:attrName>
-                                        </p:attrNameLst>
-                                      </p:cBhvr>
-                                      <p:to>
-                                        <p:strVal val="visible"/>
-                                      </p:to>
-                                    </p:set>
-                                  </p:childTnLst>
-                                </p:cTn>
-                              </p:par>
-                              <p:par>
-                                <p:cTn id="49" presetID="1" presetClass="entr" presetSubtype="0" fill="hold" nodeType="withEffect">
-                                  <p:stCondLst>
-                                    <p:cond delay="0"/>
-                                  </p:stCondLst>
-                                  <p:childTnLst>
-                                    <p:set>
-                                      <p:cBhvr>
-                                        <p:cTn id="50" dur="1" fill="hold">
-                                          <p:stCondLst>
-                                            <p:cond delay="0"/>
-                                          </p:stCondLst>
-                                        </p:cTn>
-                                        <p:tgtEl>
-                                          <p:spTgt spid="11"/>
-                                        </p:tgtEl>
-                                        <p:attrNameLst>
-                                          <p:attrName>style.visibility</p:attrName>
-                                        </p:attrNameLst>
-                                      </p:cBhvr>
-                                      <p:to>
-                                        <p:strVal val="visible"/>
-                                      </p:to>
-                                    </p:set>
-                                  </p:childTnLst>
-                                </p:cTn>
-                              </p:par>
-                            </p:childTnLst>
-                          </p:cTn>
-                        </p:par>
-                      </p:childTnLst>
-                    </p:cTn>
-                  </p:par>
-                </p:childTnLst>
-              </p:cTn>
-              <p:prevCondLst>
-                <p:cond evt="onPrev" delay="0">
-                  <p:tgtEl>
-                    <p:sldTgt/>
-                  </p:tgtEl>
-                </p:cond>
-              </p:prevCondLst>
-              <p:nextCondLst>
-                <p:cond evt="onNext" delay="0">
-                  <p:tgtEl>
-                    <p:sldTgt/>
-                  </p:tgtEl>
-                </p:cond>
-              </p:nextCondLst>
-            </p:seq>
-          </p:childTnLst>
-        </p:cTn>
-      </p:par>
-    </p:tnLst>
-    <p:bldLst>
-      <p:bldP spid="12" grpId="0"/>
-      <p:bldP spid="13" grpId="0"/>
-      <p:bldP spid="14" grpId="0"/>
-      <p:bldP spid="15" grpId="0"/>
-      <p:bldP spid="16" grpId="0"/>
-      <p:bldP spid="17" grpId="0"/>
-      <p:bldP spid="18" grpId="0"/>
-      <p:bldP spid="19" grpId="0"/>
-    </p:bldLst>
-  </p:timing>
-</p:sld>
-</file>
-
 <file path=ppt/theme/theme1.xml><?xml version="1.0" encoding="utf-8"?>
 <a:theme xmlns:a="http://schemas.openxmlformats.org/drawingml/2006/main" name="Office Theme">
   <a:themeElements>
